--- a/MJ ppt 2018-7-24 (2).pptx
+++ b/MJ ppt 2018-7-24 (2).pptx
@@ -8451,8 +8451,8 @@
         </p:nvSpPr>
         <p:spPr>
           <a:xfrm>
-            <a:off x="1883289" y="1697714"/>
-            <a:ext cx="6958013" cy="584775"/>
+            <a:off x="3984284" y="2057369"/>
+            <a:ext cx="4606627" cy="584775"/>
           </a:xfrm>
           <a:prstGeom prst="rect">
             <a:avLst/>
@@ -8467,7 +8467,7 @@
           <a:p>
             <a:r>
               <a:rPr lang="en-HK" sz="3200" b="1" dirty="0" smtClean="0"/>
-              <a:t>Future Functions</a:t>
+              <a:t>Future Improvements</a:t>
             </a:r>
             <a:endParaRPr lang="en-HK" sz="3200" b="1" dirty="0"/>
           </a:p>
@@ -8488,14 +8488,14 @@
           <p:nvPr>
             <p:extLst>
               <p:ext uri="{D42A27DB-BD31-4B8C-83A1-F6EECF244321}">
-                <p14:modId xmlns:p14="http://schemas.microsoft.com/office/powerpoint/2010/main" val="4277190599"/>
+                <p14:modId xmlns:p14="http://schemas.microsoft.com/office/powerpoint/2010/main" val="3922119972"/>
               </p:ext>
             </p:extLst>
           </p:nvPr>
         </p:nvGraphicFramePr>
         <p:xfrm>
-          <a:off x="3238302" y="2361188"/>
-          <a:ext cx="5603000" cy="2668012"/>
+          <a:off x="3238302" y="2691952"/>
+          <a:ext cx="5603000" cy="2475670"/>
         </p:xfrm>
         <a:graphic>
           <a:graphicData uri="http://schemas.openxmlformats.org/drawingml/2006/table">
@@ -8512,7 +8512,7 @@
                   </a:extLst>
                 </a:gridCol>
               </a:tblGrid>
-              <a:tr h="2668012">
+              <a:tr h="2475670">
                 <a:tc>
                   <a:txBody>
                     <a:bodyPr/>

--- a/MJ ppt 2018-7-24 (2).pptx
+++ b/MJ ppt 2018-7-24 (2).pptx
@@ -117,7 +117,7 @@
   </p:defaultTextStyle>
   <p:extLst>
     <p:ext uri="{EFAFB233-063F-42B5-8137-9DF3F51BA10A}">
-      <p15:sldGuideLst xmlns:p15="http://schemas.microsoft.com/office/powerpoint/2012/main" xmlns=""/>
+      <p15:sldGuideLst xmlns="" xmlns:p15="http://schemas.microsoft.com/office/powerpoint/2012/main"/>
     </p:ext>
   </p:extLst>
 </p:presentation>
@@ -2500,7 +2500,7 @@
   <p:hf sldNum="0" hdr="0" ftr="0" dt="0"/>
   <p:extLst>
     <p:ext uri="{DCECCB84-F9BA-43D5-87BE-67443E8EF086}">
-      <p15:sldGuideLst xmlns:p15="http://schemas.microsoft.com/office/powerpoint/2012/main" xmlns=""/>
+      <p15:sldGuideLst xmlns="" xmlns:p15="http://schemas.microsoft.com/office/powerpoint/2012/main"/>
     </p:ext>
   </p:extLst>
 </p:sldLayout>
@@ -2956,7 +2956,7 @@
   <p:hf sldNum="0" hdr="0" ftr="0" dt="0"/>
   <p:extLst>
     <p:ext uri="{DCECCB84-F9BA-43D5-87BE-67443E8EF086}">
-      <p15:sldGuideLst xmlns:p15="http://schemas.microsoft.com/office/powerpoint/2012/main" xmlns=""/>
+      <p15:sldGuideLst xmlns="" xmlns:p15="http://schemas.microsoft.com/office/powerpoint/2012/main"/>
     </p:ext>
   </p:extLst>
 </p:sldLayout>
@@ -3650,7 +3650,7 @@
   <p:hf sldNum="0" hdr="0" ftr="0" dt="0"/>
   <p:extLst>
     <p:ext uri="{DCECCB84-F9BA-43D5-87BE-67443E8EF086}">
-      <p15:sldGuideLst xmlns:p15="http://schemas.microsoft.com/office/powerpoint/2012/main" xmlns=""/>
+      <p15:sldGuideLst xmlns="" xmlns:p15="http://schemas.microsoft.com/office/powerpoint/2012/main"/>
     </p:ext>
   </p:extLst>
 </p:sldLayout>
@@ -4724,7 +4724,7 @@
   </p:txStyles>
   <p:extLst>
     <p:ext uri="{27BBF7A9-308A-43DC-89C8-2F10F3537804}">
-      <p15:sldGuideLst xmlns:p15="http://schemas.microsoft.com/office/powerpoint/2012/main" xmlns=""/>
+      <p15:sldGuideLst xmlns="" xmlns:p15="http://schemas.microsoft.com/office/powerpoint/2012/main"/>
     </p:ext>
   </p:extLst>
 </p:sldMaster>
@@ -4787,7 +4787,7 @@
           <p:cNvPr id="2" name="Title 1">
             <a:extLst>
               <a:ext uri="{FF2B5EF4-FFF2-40B4-BE49-F238E27FC236}">
-                <a16:creationId xmlns:a16="http://schemas.microsoft.com/office/drawing/2014/main" xmlns="" id="{1DE9B1A4-F70F-514E-A91C-A90FF90B8AE4}"/>
+                <a16:creationId xmlns="" xmlns:a16="http://schemas.microsoft.com/office/drawing/2014/main" id="{1DE9B1A4-F70F-514E-A91C-A90FF90B8AE4}"/>
               </a:ext>
             </a:extLst>
           </p:cNvPr>
@@ -4822,29 +4822,7 @@
                   </a:schemeClr>
                 </a:solidFill>
               </a:rPr>
-              <a:t>“</a:t>
-            </a:r>
-            <a:r>
-              <a:rPr lang="en-US" sz="3600" b="1" dirty="0" smtClean="0">
-                <a:solidFill>
-                  <a:schemeClr val="accent2">
-                    <a:lumMod val="60000"/>
-                    <a:lumOff val="40000"/>
-                  </a:schemeClr>
-                </a:solidFill>
-              </a:rPr>
-              <a:t>DISCREETLY OPEN</a:t>
-            </a:r>
-            <a:r>
-              <a:rPr lang="en-US" sz="3600" b="1" dirty="0" smtClean="0">
-                <a:solidFill>
-                  <a:schemeClr val="accent2">
-                    <a:lumMod val="60000"/>
-                    <a:lumOff val="40000"/>
-                  </a:schemeClr>
-                </a:solidFill>
-              </a:rPr>
-              <a:t>”</a:t>
+              <a:t>“DISCREETLY OPEN”</a:t>
             </a:r>
             <a:endParaRPr lang="en-US" sz="3600" b="1" dirty="0">
               <a:solidFill>
@@ -4862,7 +4840,7 @@
           <p:cNvPr id="3" name="Subtitle 2">
             <a:extLst>
               <a:ext uri="{FF2B5EF4-FFF2-40B4-BE49-F238E27FC236}">
-                <a16:creationId xmlns:a16="http://schemas.microsoft.com/office/drawing/2014/main" xmlns="" id="{CCF6E371-2261-5346-813F-E5A6AE0C1A4E}"/>
+                <a16:creationId xmlns="" xmlns:a16="http://schemas.microsoft.com/office/drawing/2014/main" id="{CCF6E371-2261-5346-813F-E5A6AE0C1A4E}"/>
               </a:ext>
             </a:extLst>
           </p:cNvPr>
@@ -4911,7 +4889,7 @@
           <p:cNvPr id="6" name="TextBox 5">
             <a:extLst>
               <a:ext uri="{FF2B5EF4-FFF2-40B4-BE49-F238E27FC236}">
-                <a16:creationId xmlns:a16="http://schemas.microsoft.com/office/drawing/2014/main" xmlns="" id="{76783E7B-1336-6741-A40D-8CBF1A59DC74}"/>
+                <a16:creationId xmlns="" xmlns:a16="http://schemas.microsoft.com/office/drawing/2014/main" id="{76783E7B-1336-6741-A40D-8CBF1A59DC74}"/>
               </a:ext>
             </a:extLst>
           </p:cNvPr>
@@ -4962,7 +4940,7 @@
           <p:cNvPr id="7" name="TextBox 6">
             <a:extLst>
               <a:ext uri="{FF2B5EF4-FFF2-40B4-BE49-F238E27FC236}">
-                <a16:creationId xmlns:a16="http://schemas.microsoft.com/office/drawing/2014/main" xmlns="" id="{13DF51DF-D8D7-DC40-8793-6C9017FCE143}"/>
+                <a16:creationId xmlns="" xmlns:a16="http://schemas.microsoft.com/office/drawing/2014/main" id="{13DF51DF-D8D7-DC40-8793-6C9017FCE143}"/>
               </a:ext>
             </a:extLst>
           </p:cNvPr>
@@ -4994,7 +4972,7 @@
           <p:cNvPr id="8" name="Title 1">
             <a:extLst>
               <a:ext uri="{FF2B5EF4-FFF2-40B4-BE49-F238E27FC236}">
-                <a16:creationId xmlns:a16="http://schemas.microsoft.com/office/drawing/2014/main" xmlns="" id="{D31AA34A-4922-624F-BECA-BDFF8A818C0D}"/>
+                <a16:creationId xmlns="" xmlns:a16="http://schemas.microsoft.com/office/drawing/2014/main" id="{D31AA34A-4922-624F-BECA-BDFF8A818C0D}"/>
               </a:ext>
             </a:extLst>
           </p:cNvPr>
@@ -5069,7 +5047,7 @@
           <p:cNvPr id="9" name="TextBox 8">
             <a:extLst>
               <a:ext uri="{FF2B5EF4-FFF2-40B4-BE49-F238E27FC236}">
-                <a16:creationId xmlns:a16="http://schemas.microsoft.com/office/drawing/2014/main" xmlns="" id="{2FCE1078-6392-4B42-9AD1-95EC4E7D6CF8}"/>
+                <a16:creationId xmlns="" xmlns:a16="http://schemas.microsoft.com/office/drawing/2014/main" id="{2FCE1078-6392-4B42-9AD1-95EC4E7D6CF8}"/>
               </a:ext>
             </a:extLst>
           </p:cNvPr>
@@ -5433,7 +5411,7 @@
           <p:cNvPr id="4" name="TextBox 3">
             <a:extLst>
               <a:ext uri="{FF2B5EF4-FFF2-40B4-BE49-F238E27FC236}">
-                <a16:creationId xmlns:a16="http://schemas.microsoft.com/office/drawing/2014/main" xmlns="" id="{BEDDE5A4-D7FC-344D-BC76-6258F3ED8C74}"/>
+                <a16:creationId xmlns="" xmlns:a16="http://schemas.microsoft.com/office/drawing/2014/main" id="{BEDDE5A4-D7FC-344D-BC76-6258F3ED8C74}"/>
               </a:ext>
             </a:extLst>
           </p:cNvPr>
@@ -5473,7 +5451,7 @@
           <p:cNvPr id="8" name="TextBox 7">
             <a:extLst>
               <a:ext uri="{FF2B5EF4-FFF2-40B4-BE49-F238E27FC236}">
-                <a16:creationId xmlns:a16="http://schemas.microsoft.com/office/drawing/2014/main" xmlns="" id="{0720FD9E-AA7F-3B43-B96A-F9918A011535}"/>
+                <a16:creationId xmlns="" xmlns:a16="http://schemas.microsoft.com/office/drawing/2014/main" id="{0720FD9E-AA7F-3B43-B96A-F9918A011535}"/>
               </a:ext>
             </a:extLst>
           </p:cNvPr>
@@ -5508,7 +5486,7 @@
           <p:cNvPr id="10" name="TextBox 9">
             <a:extLst>
               <a:ext uri="{FF2B5EF4-FFF2-40B4-BE49-F238E27FC236}">
-                <a16:creationId xmlns:a16="http://schemas.microsoft.com/office/drawing/2014/main" xmlns="" id="{FA76EABE-9EF2-C64D-ACE2-69FC87727CCF}"/>
+                <a16:creationId xmlns="" xmlns:a16="http://schemas.microsoft.com/office/drawing/2014/main" id="{FA76EABE-9EF2-C64D-ACE2-69FC87727CCF}"/>
               </a:ext>
             </a:extLst>
           </p:cNvPr>
@@ -5543,7 +5521,7 @@
           <p:cNvPr id="11" name="TextBox 10">
             <a:extLst>
               <a:ext uri="{FF2B5EF4-FFF2-40B4-BE49-F238E27FC236}">
-                <a16:creationId xmlns:a16="http://schemas.microsoft.com/office/drawing/2014/main" xmlns="" id="{CC380711-2120-2440-A093-1B8A6AE3E5CD}"/>
+                <a16:creationId xmlns="" xmlns:a16="http://schemas.microsoft.com/office/drawing/2014/main" id="{CC380711-2120-2440-A093-1B8A6AE3E5CD}"/>
               </a:ext>
             </a:extLst>
           </p:cNvPr>
@@ -5578,7 +5556,7 @@
           <p:cNvPr id="12" name="TextBox 11">
             <a:extLst>
               <a:ext uri="{FF2B5EF4-FFF2-40B4-BE49-F238E27FC236}">
-                <a16:creationId xmlns:a16="http://schemas.microsoft.com/office/drawing/2014/main" xmlns="" id="{B7388996-C956-1F48-B45C-88FEC6D27737}"/>
+                <a16:creationId xmlns="" xmlns:a16="http://schemas.microsoft.com/office/drawing/2014/main" id="{B7388996-C956-1F48-B45C-88FEC6D27737}"/>
               </a:ext>
             </a:extLst>
           </p:cNvPr>
@@ -5617,7 +5595,7 @@
           <p:cNvPr id="13" name="TextBox 12">
             <a:extLst>
               <a:ext uri="{FF2B5EF4-FFF2-40B4-BE49-F238E27FC236}">
-                <a16:creationId xmlns:a16="http://schemas.microsoft.com/office/drawing/2014/main" xmlns="" id="{72BE1CF8-E002-1D47-B6BF-5E54B02EF44A}"/>
+                <a16:creationId xmlns="" xmlns:a16="http://schemas.microsoft.com/office/drawing/2014/main" id="{72BE1CF8-E002-1D47-B6BF-5E54B02EF44A}"/>
               </a:ext>
             </a:extLst>
           </p:cNvPr>
@@ -5648,17 +5626,7 @@
                   </a:schemeClr>
                 </a:solidFill>
               </a:rPr>
-              <a:t>“DISCREETLY OPEN</a:t>
-            </a:r>
-            <a:r>
-              <a:rPr lang="en-US" sz="3200" b="1" dirty="0" smtClean="0">
-                <a:solidFill>
-                  <a:schemeClr val="accent2">
-                    <a:lumMod val="75000"/>
-                  </a:schemeClr>
-                </a:solidFill>
-              </a:rPr>
-              <a:t>”</a:t>
+              <a:t>“DISCREETLY OPEN”</a:t>
             </a:r>
             <a:endParaRPr lang="en-US" sz="3200" b="1" dirty="0">
               <a:solidFill>
@@ -5675,7 +5643,7 @@
           <p:cNvPr id="14" name="TextBox 13">
             <a:extLst>
               <a:ext uri="{FF2B5EF4-FFF2-40B4-BE49-F238E27FC236}">
-                <a16:creationId xmlns:a16="http://schemas.microsoft.com/office/drawing/2014/main" xmlns="" id="{22ADC038-3DB1-884F-9BB3-506F429BFBCA}"/>
+                <a16:creationId xmlns="" xmlns:a16="http://schemas.microsoft.com/office/drawing/2014/main" id="{22ADC038-3DB1-884F-9BB3-506F429BFBCA}"/>
               </a:ext>
             </a:extLst>
           </p:cNvPr>
@@ -5718,7 +5686,7 @@
           <p:cNvPr id="2" name="TextBox 1">
             <a:extLst>
               <a:ext uri="{FF2B5EF4-FFF2-40B4-BE49-F238E27FC236}">
-                <a16:creationId xmlns:a16="http://schemas.microsoft.com/office/drawing/2014/main" xmlns="" id="{ACCFE68D-24B3-194C-BF48-7C27278965B7}"/>
+                <a16:creationId xmlns="" xmlns:a16="http://schemas.microsoft.com/office/drawing/2014/main" id="{ACCFE68D-24B3-194C-BF48-7C27278965B7}"/>
               </a:ext>
             </a:extLst>
           </p:cNvPr>
@@ -6249,7 +6217,7 @@
           <p:cNvPr id="4" name="TextBox 3">
             <a:extLst>
               <a:ext uri="{FF2B5EF4-FFF2-40B4-BE49-F238E27FC236}">
-                <a16:creationId xmlns:a16="http://schemas.microsoft.com/office/drawing/2014/main" xmlns="" id="{BEDDE5A4-D7FC-344D-BC76-6258F3ED8C74}"/>
+                <a16:creationId xmlns="" xmlns:a16="http://schemas.microsoft.com/office/drawing/2014/main" id="{BEDDE5A4-D7FC-344D-BC76-6258F3ED8C74}"/>
               </a:ext>
             </a:extLst>
           </p:cNvPr>
@@ -6285,7 +6253,7 @@
           <p:cNvPr id="3" name="Table 2">
             <a:extLst>
               <a:ext uri="{FF2B5EF4-FFF2-40B4-BE49-F238E27FC236}">
-                <a16:creationId xmlns:a16="http://schemas.microsoft.com/office/drawing/2014/main" xmlns="" id="{F0FC6E82-BA88-7D4B-80CB-7A35449D3C93}"/>
+                <a16:creationId xmlns="" xmlns:a16="http://schemas.microsoft.com/office/drawing/2014/main" id="{F0FC6E82-BA88-7D4B-80CB-7A35449D3C93}"/>
               </a:ext>
             </a:extLst>
           </p:cNvPr>
@@ -6314,7 +6282,7 @@
                 <a:gridCol w="8435708">
                   <a:extLst>
                     <a:ext uri="{9D8B030D-6E8A-4147-A177-3AD203B41FA5}">
-                      <a16:colId xmlns:a16="http://schemas.microsoft.com/office/drawing/2014/main" xmlns="" val="3246998596"/>
+                      <a16:colId xmlns="" xmlns:a16="http://schemas.microsoft.com/office/drawing/2014/main" val="3246998596"/>
                     </a:ext>
                   </a:extLst>
                 </a:gridCol>
@@ -6340,7 +6308,7 @@
                 </a:tc>
                 <a:extLst>
                   <a:ext uri="{0D108BD9-81ED-4DB2-BD59-A6C34878D82A}">
-                    <a16:rowId xmlns:a16="http://schemas.microsoft.com/office/drawing/2014/main" xmlns="" val="4001264296"/>
+                    <a16:rowId xmlns="" xmlns:a16="http://schemas.microsoft.com/office/drawing/2014/main" val="4001264296"/>
                   </a:ext>
                 </a:extLst>
               </a:tr>
@@ -6353,7 +6321,7 @@
           <p:cNvPr id="9" name="TextBox 8">
             <a:extLst>
               <a:ext uri="{FF2B5EF4-FFF2-40B4-BE49-F238E27FC236}">
-                <a16:creationId xmlns:a16="http://schemas.microsoft.com/office/drawing/2014/main" xmlns="" id="{6BF3EC50-BB04-C947-BD4A-502C8DC5047A}"/>
+                <a16:creationId xmlns="" xmlns:a16="http://schemas.microsoft.com/office/drawing/2014/main" id="{6BF3EC50-BB04-C947-BD4A-502C8DC5047A}"/>
               </a:ext>
             </a:extLst>
           </p:cNvPr>
@@ -6392,7 +6360,7 @@
           <p:cNvPr id="2" name="TextBox 1">
             <a:extLst>
               <a:ext uri="{FF2B5EF4-FFF2-40B4-BE49-F238E27FC236}">
-                <a16:creationId xmlns:a16="http://schemas.microsoft.com/office/drawing/2014/main" xmlns="" id="{6969EDDC-2121-3244-842F-115FE05228FA}"/>
+                <a16:creationId xmlns="" xmlns:a16="http://schemas.microsoft.com/office/drawing/2014/main" id="{6969EDDC-2121-3244-842F-115FE05228FA}"/>
               </a:ext>
             </a:extLst>
           </p:cNvPr>
@@ -6465,7 +6433,7 @@
           <p:cNvPr id="10" name="TextBox 9">
             <a:extLst>
               <a:ext uri="{FF2B5EF4-FFF2-40B4-BE49-F238E27FC236}">
-                <a16:creationId xmlns:a16="http://schemas.microsoft.com/office/drawing/2014/main" xmlns="" id="{C19E9E40-8F6D-DD45-9BFB-FAD5797A67BA}"/>
+                <a16:creationId xmlns="" xmlns:a16="http://schemas.microsoft.com/office/drawing/2014/main" id="{C19E9E40-8F6D-DD45-9BFB-FAD5797A67BA}"/>
               </a:ext>
             </a:extLst>
           </p:cNvPr>
@@ -6527,7 +6495,7 @@
           <p:cNvPr id="11" name="TextBox 10">
             <a:extLst>
               <a:ext uri="{FF2B5EF4-FFF2-40B4-BE49-F238E27FC236}">
-                <a16:creationId xmlns:a16="http://schemas.microsoft.com/office/drawing/2014/main" xmlns="" id="{D7AACA37-505A-0D4E-AC19-DEBCE5D8FD16}"/>
+                <a16:creationId xmlns="" xmlns:a16="http://schemas.microsoft.com/office/drawing/2014/main" id="{D7AACA37-505A-0D4E-AC19-DEBCE5D8FD16}"/>
               </a:ext>
             </a:extLst>
           </p:cNvPr>
@@ -6566,7 +6534,7 @@
           <p:cNvPr id="12" name="TextBox 11">
             <a:extLst>
               <a:ext uri="{FF2B5EF4-FFF2-40B4-BE49-F238E27FC236}">
-                <a16:creationId xmlns:a16="http://schemas.microsoft.com/office/drawing/2014/main" xmlns="" id="{D6914E66-04F9-6049-90BE-04CEDC3F1CA3}"/>
+                <a16:creationId xmlns="" xmlns:a16="http://schemas.microsoft.com/office/drawing/2014/main" id="{D6914E66-04F9-6049-90BE-04CEDC3F1CA3}"/>
               </a:ext>
             </a:extLst>
           </p:cNvPr>
@@ -6605,7 +6573,7 @@
           <p:cNvPr id="13" name="TextBox 12">
             <a:extLst>
               <a:ext uri="{FF2B5EF4-FFF2-40B4-BE49-F238E27FC236}">
-                <a16:creationId xmlns:a16="http://schemas.microsoft.com/office/drawing/2014/main" xmlns="" id="{354A5B13-FC5E-2340-956D-F4C537A6E2BB}"/>
+                <a16:creationId xmlns="" xmlns:a16="http://schemas.microsoft.com/office/drawing/2014/main" id="{354A5B13-FC5E-2340-956D-F4C537A6E2BB}"/>
               </a:ext>
             </a:extLst>
           </p:cNvPr>
@@ -6644,7 +6612,7 @@
           <p:cNvPr id="14" name="TextBox 13">
             <a:extLst>
               <a:ext uri="{FF2B5EF4-FFF2-40B4-BE49-F238E27FC236}">
-                <a16:creationId xmlns:a16="http://schemas.microsoft.com/office/drawing/2014/main" xmlns="" id="{18207253-1DBA-E249-8AC5-14761224AC35}"/>
+                <a16:creationId xmlns="" xmlns:a16="http://schemas.microsoft.com/office/drawing/2014/main" id="{18207253-1DBA-E249-8AC5-14761224AC35}"/>
               </a:ext>
             </a:extLst>
           </p:cNvPr>
@@ -6683,7 +6651,7 @@
           <p:cNvPr id="15" name="TextBox 14">
             <a:extLst>
               <a:ext uri="{FF2B5EF4-FFF2-40B4-BE49-F238E27FC236}">
-                <a16:creationId xmlns:a16="http://schemas.microsoft.com/office/drawing/2014/main" xmlns="" id="{72BE1CF8-E002-1D47-B6BF-5E54B02EF44A}"/>
+                <a16:creationId xmlns="" xmlns:a16="http://schemas.microsoft.com/office/drawing/2014/main" id="{72BE1CF8-E002-1D47-B6BF-5E54B02EF44A}"/>
               </a:ext>
             </a:extLst>
           </p:cNvPr>
@@ -6714,17 +6682,7 @@
                   </a:schemeClr>
                 </a:solidFill>
               </a:rPr>
-              <a:t>“DISCREETLY OPEN</a:t>
-            </a:r>
-            <a:r>
-              <a:rPr lang="en-US" sz="3200" b="1" dirty="0" smtClean="0">
-                <a:solidFill>
-                  <a:schemeClr val="accent2">
-                    <a:lumMod val="75000"/>
-                  </a:schemeClr>
-                </a:solidFill>
-              </a:rPr>
-              <a:t>”</a:t>
+              <a:t>“DISCREETLY OPEN”</a:t>
             </a:r>
             <a:endParaRPr lang="en-US" sz="3200" b="1" dirty="0">
               <a:solidFill>
@@ -7171,7 +7129,7 @@
           <p:cNvPr id="4" name="TextBox 3">
             <a:extLst>
               <a:ext uri="{FF2B5EF4-FFF2-40B4-BE49-F238E27FC236}">
-                <a16:creationId xmlns:a16="http://schemas.microsoft.com/office/drawing/2014/main" xmlns="" id="{BEDDE5A4-D7FC-344D-BC76-6258F3ED8C74}"/>
+                <a16:creationId xmlns="" xmlns:a16="http://schemas.microsoft.com/office/drawing/2014/main" id="{BEDDE5A4-D7FC-344D-BC76-6258F3ED8C74}"/>
               </a:ext>
             </a:extLst>
           </p:cNvPr>
@@ -7232,7 +7190,7 @@
           <p:cNvPr id="8" name="TextBox 7">
             <a:extLst>
               <a:ext uri="{FF2B5EF4-FFF2-40B4-BE49-F238E27FC236}">
-                <a16:creationId xmlns:a16="http://schemas.microsoft.com/office/drawing/2014/main" xmlns="" id="{3E2AD991-5F52-3941-BA7D-D8C1F9598BA2}"/>
+                <a16:creationId xmlns="" xmlns:a16="http://schemas.microsoft.com/office/drawing/2014/main" id="{3E2AD991-5F52-3941-BA7D-D8C1F9598BA2}"/>
               </a:ext>
             </a:extLst>
           </p:cNvPr>
@@ -7271,7 +7229,7 @@
           <p:cNvPr id="2" name="TextBox 1">
             <a:extLst>
               <a:ext uri="{FF2B5EF4-FFF2-40B4-BE49-F238E27FC236}">
-                <a16:creationId xmlns:a16="http://schemas.microsoft.com/office/drawing/2014/main" xmlns="" id="{93720DCF-C88D-B340-809D-112111B1A96E}"/>
+                <a16:creationId xmlns="" xmlns:a16="http://schemas.microsoft.com/office/drawing/2014/main" id="{93720DCF-C88D-B340-809D-112111B1A96E}"/>
               </a:ext>
             </a:extLst>
           </p:cNvPr>
@@ -7307,7 +7265,7 @@
           <p:cNvPr id="6" name="TextBox 5">
             <a:extLst>
               <a:ext uri="{FF2B5EF4-FFF2-40B4-BE49-F238E27FC236}">
-                <a16:creationId xmlns:a16="http://schemas.microsoft.com/office/drawing/2014/main" xmlns="" id="{72BE1CF8-E002-1D47-B6BF-5E54B02EF44A}"/>
+                <a16:creationId xmlns="" xmlns:a16="http://schemas.microsoft.com/office/drawing/2014/main" id="{72BE1CF8-E002-1D47-B6BF-5E54B02EF44A}"/>
               </a:ext>
             </a:extLst>
           </p:cNvPr>
@@ -7338,17 +7296,7 @@
                   </a:schemeClr>
                 </a:solidFill>
               </a:rPr>
-              <a:t>“DISCREETLY OPEN</a:t>
-            </a:r>
-            <a:r>
-              <a:rPr lang="en-US" sz="3200" b="1" dirty="0" smtClean="0">
-                <a:solidFill>
-                  <a:schemeClr val="accent2">
-                    <a:lumMod val="75000"/>
-                  </a:schemeClr>
-                </a:solidFill>
-              </a:rPr>
-              <a:t>”</a:t>
+              <a:t>“DISCREETLY OPEN”</a:t>
             </a:r>
             <a:endParaRPr lang="en-US" sz="3200" b="1" dirty="0">
               <a:solidFill>
@@ -7360,6 +7308,36 @@
           </a:p>
         </p:txBody>
       </p:sp>
+      <p:pic>
+        <p:nvPicPr>
+          <p:cNvPr id="7" name="Picture 6">
+            <a:extLst>
+              <a:ext uri="{FF2B5EF4-FFF2-40B4-BE49-F238E27FC236}">
+                <a16:creationId xmlns:a16="http://schemas.microsoft.com/office/drawing/2014/main" xmlns="" id="{625FD4FF-2810-9545-9073-2063216A61BE}"/>
+              </a:ext>
+            </a:extLst>
+          </p:cNvPr>
+          <p:cNvPicPr>
+            <a:picLocks noChangeAspect="1"/>
+          </p:cNvPicPr>
+          <p:nvPr/>
+        </p:nvPicPr>
+        <p:blipFill>
+          <a:blip r:embed="rId2"/>
+          <a:stretch>
+            <a:fillRect/>
+          </a:stretch>
+        </p:blipFill>
+        <p:spPr>
+          <a:xfrm>
+            <a:off x="8656703" y="3284340"/>
+            <a:ext cx="2082800" cy="2146300"/>
+          </a:xfrm>
+          <a:prstGeom prst="rect">
+            <a:avLst/>
+          </a:prstGeom>
+        </p:spPr>
+      </p:pic>
     </p:spTree>
     <p:extLst>
       <p:ext uri="{BB962C8B-B14F-4D97-AF65-F5344CB8AC3E}">
@@ -7649,7 +7627,7 @@
           <p:cNvPr id="4" name="TextBox 3">
             <a:extLst>
               <a:ext uri="{FF2B5EF4-FFF2-40B4-BE49-F238E27FC236}">
-                <a16:creationId xmlns:a16="http://schemas.microsoft.com/office/drawing/2014/main" xmlns="" id="{BEDDE5A4-D7FC-344D-BC76-6258F3ED8C74}"/>
+                <a16:creationId xmlns="" xmlns:a16="http://schemas.microsoft.com/office/drawing/2014/main" id="{BEDDE5A4-D7FC-344D-BC76-6258F3ED8C74}"/>
               </a:ext>
             </a:extLst>
           </p:cNvPr>
@@ -7685,7 +7663,7 @@
           <p:cNvPr id="3" name="Table 2">
             <a:extLst>
               <a:ext uri="{FF2B5EF4-FFF2-40B4-BE49-F238E27FC236}">
-                <a16:creationId xmlns:a16="http://schemas.microsoft.com/office/drawing/2014/main" xmlns="" id="{F0FC6E82-BA88-7D4B-80CB-7A35449D3C93}"/>
+                <a16:creationId xmlns="" xmlns:a16="http://schemas.microsoft.com/office/drawing/2014/main" id="{F0FC6E82-BA88-7D4B-80CB-7A35449D3C93}"/>
               </a:ext>
             </a:extLst>
           </p:cNvPr>
@@ -7714,7 +7692,7 @@
                 <a:gridCol w="7564756">
                   <a:extLst>
                     <a:ext uri="{9D8B030D-6E8A-4147-A177-3AD203B41FA5}">
-                      <a16:colId xmlns:a16="http://schemas.microsoft.com/office/drawing/2014/main" xmlns="" val="3246998596"/>
+                      <a16:colId xmlns="" xmlns:a16="http://schemas.microsoft.com/office/drawing/2014/main" val="3246998596"/>
                     </a:ext>
                   </a:extLst>
                 </a:gridCol>
@@ -7784,7 +7762,7 @@
                 </a:tc>
                 <a:extLst>
                   <a:ext uri="{0D108BD9-81ED-4DB2-BD59-A6C34878D82A}">
-                    <a16:rowId xmlns:a16="http://schemas.microsoft.com/office/drawing/2014/main" xmlns="" val="4001264296"/>
+                    <a16:rowId xmlns="" xmlns:a16="http://schemas.microsoft.com/office/drawing/2014/main" val="4001264296"/>
                   </a:ext>
                 </a:extLst>
               </a:tr>
@@ -7797,7 +7775,7 @@
           <p:cNvPr id="10" name="TextBox 9">
             <a:extLst>
               <a:ext uri="{FF2B5EF4-FFF2-40B4-BE49-F238E27FC236}">
-                <a16:creationId xmlns:a16="http://schemas.microsoft.com/office/drawing/2014/main" xmlns="" id="{71949BAD-D750-BF4F-93DD-E61DD15BDE75}"/>
+                <a16:creationId xmlns="" xmlns:a16="http://schemas.microsoft.com/office/drawing/2014/main" id="{71949BAD-D750-BF4F-93DD-E61DD15BDE75}"/>
               </a:ext>
             </a:extLst>
           </p:cNvPr>
@@ -7836,7 +7814,7 @@
           <p:cNvPr id="6" name="TextBox 5">
             <a:extLst>
               <a:ext uri="{FF2B5EF4-FFF2-40B4-BE49-F238E27FC236}">
-                <a16:creationId xmlns:a16="http://schemas.microsoft.com/office/drawing/2014/main" xmlns="" id="{72BE1CF8-E002-1D47-B6BF-5E54B02EF44A}"/>
+                <a16:creationId xmlns="" xmlns:a16="http://schemas.microsoft.com/office/drawing/2014/main" id="{72BE1CF8-E002-1D47-B6BF-5E54B02EF44A}"/>
               </a:ext>
             </a:extLst>
           </p:cNvPr>
@@ -7867,17 +7845,7 @@
                   </a:schemeClr>
                 </a:solidFill>
               </a:rPr>
-              <a:t>“DISCREETLY OPEN</a:t>
-            </a:r>
-            <a:r>
-              <a:rPr lang="en-US" sz="3200" b="1" dirty="0" smtClean="0">
-                <a:solidFill>
-                  <a:schemeClr val="accent2">
-                    <a:lumMod val="75000"/>
-                  </a:schemeClr>
-                </a:solidFill>
-              </a:rPr>
-              <a:t>”</a:t>
+              <a:t>“DISCREETLY OPEN”</a:t>
             </a:r>
             <a:endParaRPr lang="en-US" sz="3200" b="1" dirty="0">
               <a:solidFill>
@@ -7976,7 +7944,7 @@
           <p:cNvPr id="4" name="TextBox 3">
             <a:extLst>
               <a:ext uri="{FF2B5EF4-FFF2-40B4-BE49-F238E27FC236}">
-                <a16:creationId xmlns:a16="http://schemas.microsoft.com/office/drawing/2014/main" xmlns="" id="{BEDDE5A4-D7FC-344D-BC76-6258F3ED8C74}"/>
+                <a16:creationId xmlns="" xmlns:a16="http://schemas.microsoft.com/office/drawing/2014/main" id="{BEDDE5A4-D7FC-344D-BC76-6258F3ED8C74}"/>
               </a:ext>
             </a:extLst>
           </p:cNvPr>
@@ -8011,7 +7979,7 @@
           <p:cNvPr id="3" name="Table 2">
             <a:extLst>
               <a:ext uri="{FF2B5EF4-FFF2-40B4-BE49-F238E27FC236}">
-                <a16:creationId xmlns:a16="http://schemas.microsoft.com/office/drawing/2014/main" xmlns="" id="{F0FC6E82-BA88-7D4B-80CB-7A35449D3C93}"/>
+                <a16:creationId xmlns="" xmlns:a16="http://schemas.microsoft.com/office/drawing/2014/main" id="{F0FC6E82-BA88-7D4B-80CB-7A35449D3C93}"/>
               </a:ext>
             </a:extLst>
           </p:cNvPr>
@@ -8040,7 +8008,7 @@
                 <a:gridCol w="5603000">
                   <a:extLst>
                     <a:ext uri="{9D8B030D-6E8A-4147-A177-3AD203B41FA5}">
-                      <a16:colId xmlns:a16="http://schemas.microsoft.com/office/drawing/2014/main" xmlns="" val="3246998596"/>
+                      <a16:colId xmlns="" xmlns:a16="http://schemas.microsoft.com/office/drawing/2014/main" val="3246998596"/>
                     </a:ext>
                   </a:extLst>
                 </a:gridCol>
@@ -8247,7 +8215,7 @@
                 </a:tc>
                 <a:extLst>
                   <a:ext uri="{0D108BD9-81ED-4DB2-BD59-A6C34878D82A}">
-                    <a16:rowId xmlns:a16="http://schemas.microsoft.com/office/drawing/2014/main" xmlns="" val="4001264296"/>
+                    <a16:rowId xmlns="" xmlns:a16="http://schemas.microsoft.com/office/drawing/2014/main" val="4001264296"/>
                   </a:ext>
                 </a:extLst>
               </a:tr>
@@ -8260,7 +8228,7 @@
           <p:cNvPr id="9" name="TextBox 8">
             <a:extLst>
               <a:ext uri="{FF2B5EF4-FFF2-40B4-BE49-F238E27FC236}">
-                <a16:creationId xmlns:a16="http://schemas.microsoft.com/office/drawing/2014/main" xmlns="" id="{A12A0F75-6881-8243-AF6D-E682E17F899C}"/>
+                <a16:creationId xmlns="" xmlns:a16="http://schemas.microsoft.com/office/drawing/2014/main" id="{A12A0F75-6881-8243-AF6D-E682E17F899C}"/>
               </a:ext>
             </a:extLst>
           </p:cNvPr>
@@ -8299,7 +8267,7 @@
           <p:cNvPr id="2" name="TextBox 1">
             <a:extLst>
               <a:ext uri="{FF2B5EF4-FFF2-40B4-BE49-F238E27FC236}">
-                <a16:creationId xmlns:a16="http://schemas.microsoft.com/office/drawing/2014/main" xmlns="" id="{4BA70A2F-9FCD-6041-B980-C15F58AD4EF1}"/>
+                <a16:creationId xmlns="" xmlns:a16="http://schemas.microsoft.com/office/drawing/2014/main" id="{4BA70A2F-9FCD-6041-B980-C15F58AD4EF1}"/>
               </a:ext>
             </a:extLst>
           </p:cNvPr>
@@ -8335,7 +8303,7 @@
           <p:cNvPr id="7" name="TextBox 6">
             <a:extLst>
               <a:ext uri="{FF2B5EF4-FFF2-40B4-BE49-F238E27FC236}">
-                <a16:creationId xmlns:a16="http://schemas.microsoft.com/office/drawing/2014/main" xmlns="" id="{72BE1CF8-E002-1D47-B6BF-5E54B02EF44A}"/>
+                <a16:creationId xmlns="" xmlns:a16="http://schemas.microsoft.com/office/drawing/2014/main" id="{72BE1CF8-E002-1D47-B6BF-5E54B02EF44A}"/>
               </a:ext>
             </a:extLst>
           </p:cNvPr>
@@ -8366,17 +8334,7 @@
                   </a:schemeClr>
                 </a:solidFill>
               </a:rPr>
-              <a:t>“DISCREETLY OPEN</a:t>
-            </a:r>
-            <a:r>
-              <a:rPr lang="en-US" sz="3200" b="1" dirty="0" smtClean="0">
-                <a:solidFill>
-                  <a:schemeClr val="accent2">
-                    <a:lumMod val="75000"/>
-                  </a:schemeClr>
-                </a:solidFill>
-              </a:rPr>
-              <a:t>”</a:t>
+              <a:t>“DISCREETLY OPEN”</a:t>
             </a:r>
             <a:endParaRPr lang="en-US" sz="3200" b="1" dirty="0">
               <a:solidFill>
@@ -8442,7 +8400,7 @@
           <p:cNvPr id="4" name="TextBox 3">
             <a:extLst>
               <a:ext uri="{FF2B5EF4-FFF2-40B4-BE49-F238E27FC236}">
-                <a16:creationId xmlns:a16="http://schemas.microsoft.com/office/drawing/2014/main" xmlns="" id="{BEDDE5A4-D7FC-344D-BC76-6258F3ED8C74}"/>
+                <a16:creationId xmlns="" xmlns:a16="http://schemas.microsoft.com/office/drawing/2014/main" id="{BEDDE5A4-D7FC-344D-BC76-6258F3ED8C74}"/>
               </a:ext>
             </a:extLst>
           </p:cNvPr>
@@ -8478,7 +8436,7 @@
           <p:cNvPr id="3" name="Table 2">
             <a:extLst>
               <a:ext uri="{FF2B5EF4-FFF2-40B4-BE49-F238E27FC236}">
-                <a16:creationId xmlns:a16="http://schemas.microsoft.com/office/drawing/2014/main" xmlns="" id="{F0FC6E82-BA88-7D4B-80CB-7A35449D3C93}"/>
+                <a16:creationId xmlns="" xmlns:a16="http://schemas.microsoft.com/office/drawing/2014/main" id="{F0FC6E82-BA88-7D4B-80CB-7A35449D3C93}"/>
               </a:ext>
             </a:extLst>
           </p:cNvPr>
@@ -8507,7 +8465,7 @@
                 <a:gridCol w="5603000">
                   <a:extLst>
                     <a:ext uri="{9D8B030D-6E8A-4147-A177-3AD203B41FA5}">
-                      <a16:colId xmlns:a16="http://schemas.microsoft.com/office/drawing/2014/main" xmlns="" val="3246998596"/>
+                      <a16:colId xmlns="" xmlns:a16="http://schemas.microsoft.com/office/drawing/2014/main" val="3246998596"/>
                     </a:ext>
                   </a:extLst>
                 </a:gridCol>
@@ -8645,7 +8603,7 @@
                 </a:tc>
                 <a:extLst>
                   <a:ext uri="{0D108BD9-81ED-4DB2-BD59-A6C34878D82A}">
-                    <a16:rowId xmlns:a16="http://schemas.microsoft.com/office/drawing/2014/main" xmlns="" val="4001264296"/>
+                    <a16:rowId xmlns="" xmlns:a16="http://schemas.microsoft.com/office/drawing/2014/main" val="4001264296"/>
                   </a:ext>
                 </a:extLst>
               </a:tr>
@@ -8658,7 +8616,7 @@
           <p:cNvPr id="9" name="TextBox 8">
             <a:extLst>
               <a:ext uri="{FF2B5EF4-FFF2-40B4-BE49-F238E27FC236}">
-                <a16:creationId xmlns:a16="http://schemas.microsoft.com/office/drawing/2014/main" xmlns="" id="{A12A0F75-6881-8243-AF6D-E682E17F899C}"/>
+                <a16:creationId xmlns="" xmlns:a16="http://schemas.microsoft.com/office/drawing/2014/main" id="{A12A0F75-6881-8243-AF6D-E682E17F899C}"/>
               </a:ext>
             </a:extLst>
           </p:cNvPr>
@@ -8697,7 +8655,7 @@
           <p:cNvPr id="7" name="TextBox 6">
             <a:extLst>
               <a:ext uri="{FF2B5EF4-FFF2-40B4-BE49-F238E27FC236}">
-                <a16:creationId xmlns:a16="http://schemas.microsoft.com/office/drawing/2014/main" xmlns="" id="{72BE1CF8-E002-1D47-B6BF-5E54B02EF44A}"/>
+                <a16:creationId xmlns="" xmlns:a16="http://schemas.microsoft.com/office/drawing/2014/main" id="{72BE1CF8-E002-1D47-B6BF-5E54B02EF44A}"/>
               </a:ext>
             </a:extLst>
           </p:cNvPr>
@@ -8728,17 +8686,7 @@
                   </a:schemeClr>
                 </a:solidFill>
               </a:rPr>
-              <a:t>“DISCREETLY OPEN</a:t>
-            </a:r>
-            <a:r>
-              <a:rPr lang="en-US" sz="3200" b="1" dirty="0" smtClean="0">
-                <a:solidFill>
-                  <a:schemeClr val="accent2">
-                    <a:lumMod val="75000"/>
-                  </a:schemeClr>
-                </a:solidFill>
-              </a:rPr>
-              <a:t>”</a:t>
+              <a:t>“DISCREETLY OPEN”</a:t>
             </a:r>
             <a:endParaRPr lang="en-US" sz="3200" b="1" dirty="0">
               <a:solidFill>
@@ -8837,7 +8785,7 @@
           <p:cNvPr id="4" name="TextBox 3">
             <a:extLst>
               <a:ext uri="{FF2B5EF4-FFF2-40B4-BE49-F238E27FC236}">
-                <a16:creationId xmlns:a16="http://schemas.microsoft.com/office/drawing/2014/main" xmlns="" id="{BEDDE5A4-D7FC-344D-BC76-6258F3ED8C74}"/>
+                <a16:creationId xmlns="" xmlns:a16="http://schemas.microsoft.com/office/drawing/2014/main" id="{BEDDE5A4-D7FC-344D-BC76-6258F3ED8C74}"/>
               </a:ext>
             </a:extLst>
           </p:cNvPr>
@@ -8906,7 +8854,7 @@
           <p:cNvPr id="7" name="TextBox 6">
             <a:extLst>
               <a:ext uri="{FF2B5EF4-FFF2-40B4-BE49-F238E27FC236}">
-                <a16:creationId xmlns:a16="http://schemas.microsoft.com/office/drawing/2014/main" xmlns="" id="{71A037D3-4D20-7344-8551-8DFD13133AC2}"/>
+                <a16:creationId xmlns="" xmlns:a16="http://schemas.microsoft.com/office/drawing/2014/main" id="{71A037D3-4D20-7344-8551-8DFD13133AC2}"/>
               </a:ext>
             </a:extLst>
           </p:cNvPr>
@@ -8945,7 +8893,7 @@
           <p:cNvPr id="5" name="TextBox 4">
             <a:extLst>
               <a:ext uri="{FF2B5EF4-FFF2-40B4-BE49-F238E27FC236}">
-                <a16:creationId xmlns:a16="http://schemas.microsoft.com/office/drawing/2014/main" xmlns="" id="{72BE1CF8-E002-1D47-B6BF-5E54B02EF44A}"/>
+                <a16:creationId xmlns="" xmlns:a16="http://schemas.microsoft.com/office/drawing/2014/main" id="{72BE1CF8-E002-1D47-B6BF-5E54B02EF44A}"/>
               </a:ext>
             </a:extLst>
           </p:cNvPr>
@@ -8976,17 +8924,7 @@
                   </a:schemeClr>
                 </a:solidFill>
               </a:rPr>
-              <a:t>“DISCREETLY OPEN</a:t>
-            </a:r>
-            <a:r>
-              <a:rPr lang="en-US" sz="3200" b="1" dirty="0" smtClean="0">
-                <a:solidFill>
-                  <a:schemeClr val="accent2">
-                    <a:lumMod val="75000"/>
-                  </a:schemeClr>
-                </a:solidFill>
-              </a:rPr>
-              <a:t>”</a:t>
+              <a:t>“DISCREETLY OPEN”</a:t>
             </a:r>
             <a:endParaRPr lang="en-US" sz="3200" b="1" dirty="0">
               <a:solidFill>
@@ -8998,6 +8936,36 @@
           </a:p>
         </p:txBody>
       </p:sp>
+      <p:pic>
+        <p:nvPicPr>
+          <p:cNvPr id="6" name="Picture 5">
+            <a:extLst>
+              <a:ext uri="{FF2B5EF4-FFF2-40B4-BE49-F238E27FC236}">
+                <a16:creationId xmlns:a16="http://schemas.microsoft.com/office/drawing/2014/main" xmlns="" id="{625FD4FF-2810-9545-9073-2063216A61BE}"/>
+              </a:ext>
+            </a:extLst>
+          </p:cNvPr>
+          <p:cNvPicPr>
+            <a:picLocks noChangeAspect="1"/>
+          </p:cNvPicPr>
+          <p:nvPr/>
+        </p:nvPicPr>
+        <p:blipFill>
+          <a:blip r:embed="rId2"/>
+          <a:stretch>
+            <a:fillRect/>
+          </a:stretch>
+        </p:blipFill>
+        <p:spPr>
+          <a:xfrm>
+            <a:off x="8656703" y="3284340"/>
+            <a:ext cx="2082800" cy="2146300"/>
+          </a:xfrm>
+          <a:prstGeom prst="rect">
+            <a:avLst/>
+          </a:prstGeom>
+        </p:spPr>
+      </p:pic>
     </p:spTree>
     <p:extLst>
       <p:ext uri="{BB962C8B-B14F-4D97-AF65-F5344CB8AC3E}">
@@ -9085,7 +9053,7 @@
           <p:cNvPr id="4" name="TextBox 3">
             <a:extLst>
               <a:ext uri="{FF2B5EF4-FFF2-40B4-BE49-F238E27FC236}">
-                <a16:creationId xmlns:a16="http://schemas.microsoft.com/office/drawing/2014/main" xmlns="" id="{BEDDE5A4-D7FC-344D-BC76-6258F3ED8C74}"/>
+                <a16:creationId xmlns="" xmlns:a16="http://schemas.microsoft.com/office/drawing/2014/main" id="{BEDDE5A4-D7FC-344D-BC76-6258F3ED8C74}"/>
               </a:ext>
             </a:extLst>
           </p:cNvPr>
@@ -9128,7 +9096,7 @@
           <p:cNvPr id="7" name="TextBox 6">
             <a:extLst>
               <a:ext uri="{FF2B5EF4-FFF2-40B4-BE49-F238E27FC236}">
-                <a16:creationId xmlns:a16="http://schemas.microsoft.com/office/drawing/2014/main" xmlns="" id="{569EF861-8AA2-3B47-AFAA-EA55BC2EBAA1}"/>
+                <a16:creationId xmlns="" xmlns:a16="http://schemas.microsoft.com/office/drawing/2014/main" id="{569EF861-8AA2-3B47-AFAA-EA55BC2EBAA1}"/>
               </a:ext>
             </a:extLst>
           </p:cNvPr>
@@ -9167,7 +9135,7 @@
           <p:cNvPr id="5" name="TextBox 4">
             <a:extLst>
               <a:ext uri="{FF2B5EF4-FFF2-40B4-BE49-F238E27FC236}">
-                <a16:creationId xmlns:a16="http://schemas.microsoft.com/office/drawing/2014/main" xmlns="" id="{72BE1CF8-E002-1D47-B6BF-5E54B02EF44A}"/>
+                <a16:creationId xmlns="" xmlns:a16="http://schemas.microsoft.com/office/drawing/2014/main" id="{72BE1CF8-E002-1D47-B6BF-5E54B02EF44A}"/>
               </a:ext>
             </a:extLst>
           </p:cNvPr>
@@ -9198,17 +9166,7 @@
                   </a:schemeClr>
                 </a:solidFill>
               </a:rPr>
-              <a:t>“DISCREETLY OPEN</a:t>
-            </a:r>
-            <a:r>
-              <a:rPr lang="en-US" sz="3200" b="1" dirty="0" smtClean="0">
-                <a:solidFill>
-                  <a:schemeClr val="accent2">
-                    <a:lumMod val="75000"/>
-                  </a:schemeClr>
-                </a:solidFill>
-              </a:rPr>
-              <a:t>”</a:t>
+              <a:t>“DISCREETLY OPEN”</a:t>
             </a:r>
             <a:endParaRPr lang="en-US" sz="3200" b="1" dirty="0">
               <a:solidFill>
@@ -9220,6 +9178,36 @@
           </a:p>
         </p:txBody>
       </p:sp>
+      <p:pic>
+        <p:nvPicPr>
+          <p:cNvPr id="6" name="Picture 5">
+            <a:extLst>
+              <a:ext uri="{FF2B5EF4-FFF2-40B4-BE49-F238E27FC236}">
+                <a16:creationId xmlns:a16="http://schemas.microsoft.com/office/drawing/2014/main" xmlns="" id="{625FD4FF-2810-9545-9073-2063216A61BE}"/>
+              </a:ext>
+            </a:extLst>
+          </p:cNvPr>
+          <p:cNvPicPr>
+            <a:picLocks noChangeAspect="1"/>
+          </p:cNvPicPr>
+          <p:nvPr/>
+        </p:nvPicPr>
+        <p:blipFill>
+          <a:blip r:embed="rId2"/>
+          <a:stretch>
+            <a:fillRect/>
+          </a:stretch>
+        </p:blipFill>
+        <p:spPr>
+          <a:xfrm>
+            <a:off x="8656703" y="3284340"/>
+            <a:ext cx="2082800" cy="2146300"/>
+          </a:xfrm>
+          <a:prstGeom prst="rect">
+            <a:avLst/>
+          </a:prstGeom>
+        </p:spPr>
+      </p:pic>
     </p:spTree>
     <p:extLst>
       <p:ext uri="{BB962C8B-B14F-4D97-AF65-F5344CB8AC3E}">
@@ -9527,7 +9515,7 @@
   <a:extraClrSchemeLst/>
   <a:extLst>
     <a:ext uri="{05A4C25C-085E-4340-85A3-A5531E510DB2}">
-      <thm15:themeFamily xmlns:thm15="http://schemas.microsoft.com/office/thememl/2012/main" xmlns="" name="Savon" id="{1306E473-ED32-493B-A2D0-240A757EDD34}" vid="{C20BADFE-D095-436F-9677-9264042809F0}"/>
+      <thm15:themeFamily xmlns="" xmlns:thm15="http://schemas.microsoft.com/office/thememl/2012/main" name="Savon" id="{1306E473-ED32-493B-A2D0-240A757EDD34}" vid="{C20BADFE-D095-436F-9677-9264042809F0}"/>
     </a:ext>
   </a:extLst>
 </a:theme>
@@ -9822,7 +9810,7 @@
   <a:extraClrSchemeLst/>
   <a:extLst>
     <a:ext uri="{05A4C25C-085E-4340-85A3-A5531E510DB2}">
-      <thm15:themeFamily xmlns:thm15="http://schemas.microsoft.com/office/thememl/2012/main" xmlns="" name="Office Theme" id="{62F939B6-93AF-4DB8-9C6B-D6C7DFDC589F}" vid="{4A3C46E8-61CC-4603-A589-7422A47A8E4A}"/>
+      <thm15:themeFamily xmlns="" xmlns:thm15="http://schemas.microsoft.com/office/thememl/2012/main" name="Office Theme" id="{62F939B6-93AF-4DB8-9C6B-D6C7DFDC589F}" vid="{4A3C46E8-61CC-4603-A589-7422A47A8E4A}"/>
     </a:ext>
   </a:extLst>
 </a:theme>

--- a/MJ ppt 2018-7-24 (2).pptx
+++ b/MJ ppt 2018-7-24 (2).pptx
@@ -5,18 +5,20 @@
     <p:sldMasterId id="2147484137" r:id="rId1"/>
   </p:sldMasterIdLst>
   <p:notesMasterIdLst>
-    <p:notesMasterId r:id="rId11"/>
+    <p:notesMasterId r:id="rId13"/>
   </p:notesMasterIdLst>
   <p:sldIdLst>
     <p:sldId id="257" r:id="rId2"/>
-    <p:sldId id="258" r:id="rId3"/>
-    <p:sldId id="259" r:id="rId4"/>
-    <p:sldId id="260" r:id="rId5"/>
-    <p:sldId id="265" r:id="rId6"/>
-    <p:sldId id="266" r:id="rId7"/>
-    <p:sldId id="268" r:id="rId8"/>
-    <p:sldId id="263" r:id="rId9"/>
-    <p:sldId id="267" r:id="rId10"/>
+    <p:sldId id="271" r:id="rId3"/>
+    <p:sldId id="258" r:id="rId4"/>
+    <p:sldId id="269" r:id="rId5"/>
+    <p:sldId id="259" r:id="rId6"/>
+    <p:sldId id="260" r:id="rId7"/>
+    <p:sldId id="265" r:id="rId8"/>
+    <p:sldId id="266" r:id="rId9"/>
+    <p:sldId id="268" r:id="rId10"/>
+    <p:sldId id="263" r:id="rId11"/>
+    <p:sldId id="267" r:id="rId12"/>
   </p:sldIdLst>
   <p:sldSz cx="12192000" cy="6858000"/>
   <p:notesSz cx="6858000" cy="9144000"/>
@@ -470,6 +472,846 @@
     </a:lvl9pPr>
   </p:notesStyle>
 </p:notesMaster>
+</file>
+
+<file path=ppt/notesSlides/notesSlide1.xml><?xml version="1.0" encoding="utf-8"?>
+<p:notes xmlns:a="http://schemas.openxmlformats.org/drawingml/2006/main" xmlns:r="http://schemas.openxmlformats.org/officeDocument/2006/relationships" xmlns:p="http://schemas.openxmlformats.org/presentationml/2006/main">
+  <p:cSld>
+    <p:spTree>
+      <p:nvGrpSpPr>
+        <p:cNvPr id="1" name=""/>
+        <p:cNvGrpSpPr/>
+        <p:nvPr/>
+      </p:nvGrpSpPr>
+      <p:grpSpPr>
+        <a:xfrm>
+          <a:off x="0" y="0"/>
+          <a:ext cx="0" cy="0"/>
+          <a:chOff x="0" y="0"/>
+          <a:chExt cx="0" cy="0"/>
+        </a:xfrm>
+      </p:grpSpPr>
+      <p:sp>
+        <p:nvSpPr>
+          <p:cNvPr id="2" name="Slide Image Placeholder 1"/>
+          <p:cNvSpPr>
+            <a:spLocks noGrp="1" noRot="1" noChangeAspect="1"/>
+          </p:cNvSpPr>
+          <p:nvPr>
+            <p:ph type="sldImg"/>
+          </p:nvPr>
+        </p:nvSpPr>
+        <p:spPr/>
+      </p:sp>
+      <p:sp>
+        <p:nvSpPr>
+          <p:cNvPr id="3" name="Notes Placeholder 2"/>
+          <p:cNvSpPr>
+            <a:spLocks noGrp="1"/>
+          </p:cNvSpPr>
+          <p:nvPr>
+            <p:ph type="body" idx="1"/>
+          </p:nvPr>
+        </p:nvSpPr>
+        <p:spPr/>
+        <p:txBody>
+          <a:bodyPr/>
+          <a:lstStyle/>
+          <a:p>
+            <a:endParaRPr lang="en-US"/>
+          </a:p>
+        </p:txBody>
+      </p:sp>
+      <p:sp>
+        <p:nvSpPr>
+          <p:cNvPr id="4" name="Slide Number Placeholder 3"/>
+          <p:cNvSpPr>
+            <a:spLocks noGrp="1"/>
+          </p:cNvSpPr>
+          <p:nvPr>
+            <p:ph type="sldNum" sz="quarter" idx="10"/>
+          </p:nvPr>
+        </p:nvSpPr>
+        <p:spPr/>
+        <p:txBody>
+          <a:bodyPr/>
+          <a:lstStyle/>
+          <a:p>
+            <a:fld id="{54E209E8-AB32-AD49-A08A-0227626528C8}" type="slidenum">
+              <a:rPr lang="en-US" smtClean="0"/>
+              <a:t>1</a:t>
+            </a:fld>
+            <a:endParaRPr lang="en-US"/>
+          </a:p>
+        </p:txBody>
+      </p:sp>
+    </p:spTree>
+    <p:extLst>
+      <p:ext uri="{BB962C8B-B14F-4D97-AF65-F5344CB8AC3E}">
+        <p14:creationId xmlns:p14="http://schemas.microsoft.com/office/powerpoint/2010/main" val="2307148400"/>
+      </p:ext>
+    </p:extLst>
+  </p:cSld>
+  <p:clrMapOvr>
+    <a:masterClrMapping/>
+  </p:clrMapOvr>
+</p:notes>
+</file>
+
+<file path=ppt/notesSlides/notesSlide10.xml><?xml version="1.0" encoding="utf-8"?>
+<p:notes xmlns:a="http://schemas.openxmlformats.org/drawingml/2006/main" xmlns:r="http://schemas.openxmlformats.org/officeDocument/2006/relationships" xmlns:p="http://schemas.openxmlformats.org/presentationml/2006/main">
+  <p:cSld>
+    <p:spTree>
+      <p:nvGrpSpPr>
+        <p:cNvPr id="1" name=""/>
+        <p:cNvGrpSpPr/>
+        <p:nvPr/>
+      </p:nvGrpSpPr>
+      <p:grpSpPr>
+        <a:xfrm>
+          <a:off x="0" y="0"/>
+          <a:ext cx="0" cy="0"/>
+          <a:chOff x="0" y="0"/>
+          <a:chExt cx="0" cy="0"/>
+        </a:xfrm>
+      </p:grpSpPr>
+      <p:sp>
+        <p:nvSpPr>
+          <p:cNvPr id="2" name="Slide Image Placeholder 1"/>
+          <p:cNvSpPr>
+            <a:spLocks noGrp="1" noRot="1" noChangeAspect="1"/>
+          </p:cNvSpPr>
+          <p:nvPr>
+            <p:ph type="sldImg"/>
+          </p:nvPr>
+        </p:nvSpPr>
+        <p:spPr/>
+      </p:sp>
+      <p:sp>
+        <p:nvSpPr>
+          <p:cNvPr id="3" name="Notes Placeholder 2"/>
+          <p:cNvSpPr>
+            <a:spLocks noGrp="1"/>
+          </p:cNvSpPr>
+          <p:nvPr>
+            <p:ph type="body" idx="1"/>
+          </p:nvPr>
+        </p:nvSpPr>
+        <p:spPr/>
+        <p:txBody>
+          <a:bodyPr/>
+          <a:lstStyle/>
+          <a:p>
+            <a:endParaRPr lang="en-US"/>
+          </a:p>
+        </p:txBody>
+      </p:sp>
+      <p:sp>
+        <p:nvSpPr>
+          <p:cNvPr id="4" name="Slide Number Placeholder 3"/>
+          <p:cNvSpPr>
+            <a:spLocks noGrp="1"/>
+          </p:cNvSpPr>
+          <p:nvPr>
+            <p:ph type="sldNum" sz="quarter" idx="10"/>
+          </p:nvPr>
+        </p:nvSpPr>
+        <p:spPr/>
+        <p:txBody>
+          <a:bodyPr/>
+          <a:lstStyle/>
+          <a:p>
+            <a:fld id="{54E209E8-AB32-AD49-A08A-0227626528C8}" type="slidenum">
+              <a:rPr lang="en-US" smtClean="0"/>
+              <a:t>11</a:t>
+            </a:fld>
+            <a:endParaRPr lang="en-US"/>
+          </a:p>
+        </p:txBody>
+      </p:sp>
+    </p:spTree>
+    <p:extLst>
+      <p:ext uri="{BB962C8B-B14F-4D97-AF65-F5344CB8AC3E}">
+        <p14:creationId xmlns:p14="http://schemas.microsoft.com/office/powerpoint/2010/main" val="1643652335"/>
+      </p:ext>
+    </p:extLst>
+  </p:cSld>
+  <p:clrMapOvr>
+    <a:masterClrMapping/>
+  </p:clrMapOvr>
+</p:notes>
+</file>
+
+<file path=ppt/notesSlides/notesSlide2.xml><?xml version="1.0" encoding="utf-8"?>
+<p:notes xmlns:a="http://schemas.openxmlformats.org/drawingml/2006/main" xmlns:r="http://schemas.openxmlformats.org/officeDocument/2006/relationships" xmlns:p="http://schemas.openxmlformats.org/presentationml/2006/main">
+  <p:cSld>
+    <p:spTree>
+      <p:nvGrpSpPr>
+        <p:cNvPr id="1" name=""/>
+        <p:cNvGrpSpPr/>
+        <p:nvPr/>
+      </p:nvGrpSpPr>
+      <p:grpSpPr>
+        <a:xfrm>
+          <a:off x="0" y="0"/>
+          <a:ext cx="0" cy="0"/>
+          <a:chOff x="0" y="0"/>
+          <a:chExt cx="0" cy="0"/>
+        </a:xfrm>
+      </p:grpSpPr>
+      <p:sp>
+        <p:nvSpPr>
+          <p:cNvPr id="2" name="Slide Image Placeholder 1"/>
+          <p:cNvSpPr>
+            <a:spLocks noGrp="1" noRot="1" noChangeAspect="1"/>
+          </p:cNvSpPr>
+          <p:nvPr>
+            <p:ph type="sldImg"/>
+          </p:nvPr>
+        </p:nvSpPr>
+        <p:spPr/>
+      </p:sp>
+      <p:sp>
+        <p:nvSpPr>
+          <p:cNvPr id="3" name="Notes Placeholder 2"/>
+          <p:cNvSpPr>
+            <a:spLocks noGrp="1"/>
+          </p:cNvSpPr>
+          <p:nvPr>
+            <p:ph type="body" idx="1"/>
+          </p:nvPr>
+        </p:nvSpPr>
+        <p:spPr/>
+        <p:txBody>
+          <a:bodyPr/>
+          <a:lstStyle/>
+          <a:p>
+            <a:endParaRPr lang="en-US"/>
+          </a:p>
+        </p:txBody>
+      </p:sp>
+      <p:sp>
+        <p:nvSpPr>
+          <p:cNvPr id="4" name="Slide Number Placeholder 3"/>
+          <p:cNvSpPr>
+            <a:spLocks noGrp="1"/>
+          </p:cNvSpPr>
+          <p:nvPr>
+            <p:ph type="sldNum" sz="quarter" idx="10"/>
+          </p:nvPr>
+        </p:nvSpPr>
+        <p:spPr/>
+        <p:txBody>
+          <a:bodyPr/>
+          <a:lstStyle/>
+          <a:p>
+            <a:fld id="{54E209E8-AB32-AD49-A08A-0227626528C8}" type="slidenum">
+              <a:rPr lang="en-US" smtClean="0"/>
+              <a:t>2</a:t>
+            </a:fld>
+            <a:endParaRPr lang="en-US"/>
+          </a:p>
+        </p:txBody>
+      </p:sp>
+    </p:spTree>
+    <p:extLst>
+      <p:ext uri="{BB962C8B-B14F-4D97-AF65-F5344CB8AC3E}">
+        <p14:creationId xmlns:p14="http://schemas.microsoft.com/office/powerpoint/2010/main" val="1366425287"/>
+      </p:ext>
+    </p:extLst>
+  </p:cSld>
+  <p:clrMapOvr>
+    <a:masterClrMapping/>
+  </p:clrMapOvr>
+</p:notes>
+</file>
+
+<file path=ppt/notesSlides/notesSlide3.xml><?xml version="1.0" encoding="utf-8"?>
+<p:notes xmlns:a="http://schemas.openxmlformats.org/drawingml/2006/main" xmlns:r="http://schemas.openxmlformats.org/officeDocument/2006/relationships" xmlns:p="http://schemas.openxmlformats.org/presentationml/2006/main">
+  <p:cSld>
+    <p:spTree>
+      <p:nvGrpSpPr>
+        <p:cNvPr id="1" name=""/>
+        <p:cNvGrpSpPr/>
+        <p:nvPr/>
+      </p:nvGrpSpPr>
+      <p:grpSpPr>
+        <a:xfrm>
+          <a:off x="0" y="0"/>
+          <a:ext cx="0" cy="0"/>
+          <a:chOff x="0" y="0"/>
+          <a:chExt cx="0" cy="0"/>
+        </a:xfrm>
+      </p:grpSpPr>
+      <p:sp>
+        <p:nvSpPr>
+          <p:cNvPr id="2" name="Slide Image Placeholder 1"/>
+          <p:cNvSpPr>
+            <a:spLocks noGrp="1" noRot="1" noChangeAspect="1"/>
+          </p:cNvSpPr>
+          <p:nvPr>
+            <p:ph type="sldImg"/>
+          </p:nvPr>
+        </p:nvSpPr>
+        <p:spPr/>
+      </p:sp>
+      <p:sp>
+        <p:nvSpPr>
+          <p:cNvPr id="3" name="Notes Placeholder 2"/>
+          <p:cNvSpPr>
+            <a:spLocks noGrp="1"/>
+          </p:cNvSpPr>
+          <p:nvPr>
+            <p:ph type="body" idx="1"/>
+          </p:nvPr>
+        </p:nvSpPr>
+        <p:spPr/>
+        <p:txBody>
+          <a:bodyPr/>
+          <a:lstStyle/>
+          <a:p>
+            <a:endParaRPr lang="en-US"/>
+          </a:p>
+        </p:txBody>
+      </p:sp>
+      <p:sp>
+        <p:nvSpPr>
+          <p:cNvPr id="4" name="Slide Number Placeholder 3"/>
+          <p:cNvSpPr>
+            <a:spLocks noGrp="1"/>
+          </p:cNvSpPr>
+          <p:nvPr>
+            <p:ph type="sldNum" sz="quarter" idx="10"/>
+          </p:nvPr>
+        </p:nvSpPr>
+        <p:spPr/>
+        <p:txBody>
+          <a:bodyPr/>
+          <a:lstStyle/>
+          <a:p>
+            <a:fld id="{54E209E8-AB32-AD49-A08A-0227626528C8}" type="slidenum">
+              <a:rPr lang="en-US" smtClean="0"/>
+              <a:t>3</a:t>
+            </a:fld>
+            <a:endParaRPr lang="en-US"/>
+          </a:p>
+        </p:txBody>
+      </p:sp>
+    </p:spTree>
+    <p:extLst>
+      <p:ext uri="{BB962C8B-B14F-4D97-AF65-F5344CB8AC3E}">
+        <p14:creationId xmlns:p14="http://schemas.microsoft.com/office/powerpoint/2010/main" val="1366425287"/>
+      </p:ext>
+    </p:extLst>
+  </p:cSld>
+  <p:clrMapOvr>
+    <a:masterClrMapping/>
+  </p:clrMapOvr>
+</p:notes>
+</file>
+
+<file path=ppt/notesSlides/notesSlide4.xml><?xml version="1.0" encoding="utf-8"?>
+<p:notes xmlns:a="http://schemas.openxmlformats.org/drawingml/2006/main" xmlns:r="http://schemas.openxmlformats.org/officeDocument/2006/relationships" xmlns:p="http://schemas.openxmlformats.org/presentationml/2006/main">
+  <p:cSld>
+    <p:spTree>
+      <p:nvGrpSpPr>
+        <p:cNvPr id="1" name=""/>
+        <p:cNvGrpSpPr/>
+        <p:nvPr/>
+      </p:nvGrpSpPr>
+      <p:grpSpPr>
+        <a:xfrm>
+          <a:off x="0" y="0"/>
+          <a:ext cx="0" cy="0"/>
+          <a:chOff x="0" y="0"/>
+          <a:chExt cx="0" cy="0"/>
+        </a:xfrm>
+      </p:grpSpPr>
+      <p:sp>
+        <p:nvSpPr>
+          <p:cNvPr id="2" name="Slide Image Placeholder 1"/>
+          <p:cNvSpPr>
+            <a:spLocks noGrp="1" noRot="1" noChangeAspect="1"/>
+          </p:cNvSpPr>
+          <p:nvPr>
+            <p:ph type="sldImg"/>
+          </p:nvPr>
+        </p:nvSpPr>
+        <p:spPr/>
+      </p:sp>
+      <p:sp>
+        <p:nvSpPr>
+          <p:cNvPr id="3" name="Notes Placeholder 2"/>
+          <p:cNvSpPr>
+            <a:spLocks noGrp="1"/>
+          </p:cNvSpPr>
+          <p:nvPr>
+            <p:ph type="body" idx="1"/>
+          </p:nvPr>
+        </p:nvSpPr>
+        <p:spPr/>
+        <p:txBody>
+          <a:bodyPr/>
+          <a:lstStyle/>
+          <a:p>
+            <a:endParaRPr lang="en-US"/>
+          </a:p>
+        </p:txBody>
+      </p:sp>
+      <p:sp>
+        <p:nvSpPr>
+          <p:cNvPr id="4" name="Slide Number Placeholder 3"/>
+          <p:cNvSpPr>
+            <a:spLocks noGrp="1"/>
+          </p:cNvSpPr>
+          <p:nvPr>
+            <p:ph type="sldNum" sz="quarter" idx="10"/>
+          </p:nvPr>
+        </p:nvSpPr>
+        <p:spPr/>
+        <p:txBody>
+          <a:bodyPr/>
+          <a:lstStyle/>
+          <a:p>
+            <a:fld id="{54E209E8-AB32-AD49-A08A-0227626528C8}" type="slidenum">
+              <a:rPr lang="en-US" smtClean="0"/>
+              <a:t>4</a:t>
+            </a:fld>
+            <a:endParaRPr lang="en-US"/>
+          </a:p>
+        </p:txBody>
+      </p:sp>
+    </p:spTree>
+    <p:extLst>
+      <p:ext uri="{BB962C8B-B14F-4D97-AF65-F5344CB8AC3E}">
+        <p14:creationId xmlns:p14="http://schemas.microsoft.com/office/powerpoint/2010/main" val="1366425287"/>
+      </p:ext>
+    </p:extLst>
+  </p:cSld>
+  <p:clrMapOvr>
+    <a:masterClrMapping/>
+  </p:clrMapOvr>
+</p:notes>
+</file>
+
+<file path=ppt/notesSlides/notesSlide5.xml><?xml version="1.0" encoding="utf-8"?>
+<p:notes xmlns:a="http://schemas.openxmlformats.org/drawingml/2006/main" xmlns:r="http://schemas.openxmlformats.org/officeDocument/2006/relationships" xmlns:p="http://schemas.openxmlformats.org/presentationml/2006/main">
+  <p:cSld>
+    <p:spTree>
+      <p:nvGrpSpPr>
+        <p:cNvPr id="1" name=""/>
+        <p:cNvGrpSpPr/>
+        <p:nvPr/>
+      </p:nvGrpSpPr>
+      <p:grpSpPr>
+        <a:xfrm>
+          <a:off x="0" y="0"/>
+          <a:ext cx="0" cy="0"/>
+          <a:chOff x="0" y="0"/>
+          <a:chExt cx="0" cy="0"/>
+        </a:xfrm>
+      </p:grpSpPr>
+      <p:sp>
+        <p:nvSpPr>
+          <p:cNvPr id="2" name="Slide Image Placeholder 1"/>
+          <p:cNvSpPr>
+            <a:spLocks noGrp="1" noRot="1" noChangeAspect="1"/>
+          </p:cNvSpPr>
+          <p:nvPr>
+            <p:ph type="sldImg"/>
+          </p:nvPr>
+        </p:nvSpPr>
+        <p:spPr/>
+      </p:sp>
+      <p:sp>
+        <p:nvSpPr>
+          <p:cNvPr id="3" name="Notes Placeholder 2"/>
+          <p:cNvSpPr>
+            <a:spLocks noGrp="1"/>
+          </p:cNvSpPr>
+          <p:nvPr>
+            <p:ph type="body" idx="1"/>
+          </p:nvPr>
+        </p:nvSpPr>
+        <p:spPr/>
+        <p:txBody>
+          <a:bodyPr/>
+          <a:lstStyle/>
+          <a:p>
+            <a:endParaRPr lang="en-US"/>
+          </a:p>
+        </p:txBody>
+      </p:sp>
+      <p:sp>
+        <p:nvSpPr>
+          <p:cNvPr id="4" name="Slide Number Placeholder 3"/>
+          <p:cNvSpPr>
+            <a:spLocks noGrp="1"/>
+          </p:cNvSpPr>
+          <p:nvPr>
+            <p:ph type="sldNum" sz="quarter" idx="10"/>
+          </p:nvPr>
+        </p:nvSpPr>
+        <p:spPr/>
+        <p:txBody>
+          <a:bodyPr/>
+          <a:lstStyle/>
+          <a:p>
+            <a:fld id="{54E209E8-AB32-AD49-A08A-0227626528C8}" type="slidenum">
+              <a:rPr lang="en-US" smtClean="0"/>
+              <a:t>5</a:t>
+            </a:fld>
+            <a:endParaRPr lang="en-US"/>
+          </a:p>
+        </p:txBody>
+      </p:sp>
+    </p:spTree>
+    <p:extLst>
+      <p:ext uri="{BB962C8B-B14F-4D97-AF65-F5344CB8AC3E}">
+        <p14:creationId xmlns:p14="http://schemas.microsoft.com/office/powerpoint/2010/main" val="3006103653"/>
+      </p:ext>
+    </p:extLst>
+  </p:cSld>
+  <p:clrMapOvr>
+    <a:masterClrMapping/>
+  </p:clrMapOvr>
+</p:notes>
+</file>
+
+<file path=ppt/notesSlides/notesSlide6.xml><?xml version="1.0" encoding="utf-8"?>
+<p:notes xmlns:a="http://schemas.openxmlformats.org/drawingml/2006/main" xmlns:r="http://schemas.openxmlformats.org/officeDocument/2006/relationships" xmlns:p="http://schemas.openxmlformats.org/presentationml/2006/main">
+  <p:cSld>
+    <p:spTree>
+      <p:nvGrpSpPr>
+        <p:cNvPr id="1" name=""/>
+        <p:cNvGrpSpPr/>
+        <p:nvPr/>
+      </p:nvGrpSpPr>
+      <p:grpSpPr>
+        <a:xfrm>
+          <a:off x="0" y="0"/>
+          <a:ext cx="0" cy="0"/>
+          <a:chOff x="0" y="0"/>
+          <a:chExt cx="0" cy="0"/>
+        </a:xfrm>
+      </p:grpSpPr>
+      <p:sp>
+        <p:nvSpPr>
+          <p:cNvPr id="2" name="Slide Image Placeholder 1"/>
+          <p:cNvSpPr>
+            <a:spLocks noGrp="1" noRot="1" noChangeAspect="1"/>
+          </p:cNvSpPr>
+          <p:nvPr>
+            <p:ph type="sldImg"/>
+          </p:nvPr>
+        </p:nvSpPr>
+        <p:spPr/>
+      </p:sp>
+      <p:sp>
+        <p:nvSpPr>
+          <p:cNvPr id="3" name="Notes Placeholder 2"/>
+          <p:cNvSpPr>
+            <a:spLocks noGrp="1"/>
+          </p:cNvSpPr>
+          <p:nvPr>
+            <p:ph type="body" idx="1"/>
+          </p:nvPr>
+        </p:nvSpPr>
+        <p:spPr/>
+        <p:txBody>
+          <a:bodyPr/>
+          <a:lstStyle/>
+          <a:p>
+            <a:endParaRPr lang="en-US"/>
+          </a:p>
+        </p:txBody>
+      </p:sp>
+      <p:sp>
+        <p:nvSpPr>
+          <p:cNvPr id="4" name="Slide Number Placeholder 3"/>
+          <p:cNvSpPr>
+            <a:spLocks noGrp="1"/>
+          </p:cNvSpPr>
+          <p:nvPr>
+            <p:ph type="sldNum" sz="quarter" idx="10"/>
+          </p:nvPr>
+        </p:nvSpPr>
+        <p:spPr/>
+        <p:txBody>
+          <a:bodyPr/>
+          <a:lstStyle/>
+          <a:p>
+            <a:fld id="{54E209E8-AB32-AD49-A08A-0227626528C8}" type="slidenum">
+              <a:rPr lang="en-US" smtClean="0"/>
+              <a:t>6</a:t>
+            </a:fld>
+            <a:endParaRPr lang="en-US"/>
+          </a:p>
+        </p:txBody>
+      </p:sp>
+    </p:spTree>
+    <p:extLst>
+      <p:ext uri="{BB962C8B-B14F-4D97-AF65-F5344CB8AC3E}">
+        <p14:creationId xmlns:p14="http://schemas.microsoft.com/office/powerpoint/2010/main" val="1686937176"/>
+      </p:ext>
+    </p:extLst>
+  </p:cSld>
+  <p:clrMapOvr>
+    <a:masterClrMapping/>
+  </p:clrMapOvr>
+</p:notes>
+</file>
+
+<file path=ppt/notesSlides/notesSlide7.xml><?xml version="1.0" encoding="utf-8"?>
+<p:notes xmlns:a="http://schemas.openxmlformats.org/drawingml/2006/main" xmlns:r="http://schemas.openxmlformats.org/officeDocument/2006/relationships" xmlns:p="http://schemas.openxmlformats.org/presentationml/2006/main">
+  <p:cSld>
+    <p:spTree>
+      <p:nvGrpSpPr>
+        <p:cNvPr id="1" name=""/>
+        <p:cNvGrpSpPr/>
+        <p:nvPr/>
+      </p:nvGrpSpPr>
+      <p:grpSpPr>
+        <a:xfrm>
+          <a:off x="0" y="0"/>
+          <a:ext cx="0" cy="0"/>
+          <a:chOff x="0" y="0"/>
+          <a:chExt cx="0" cy="0"/>
+        </a:xfrm>
+      </p:grpSpPr>
+      <p:sp>
+        <p:nvSpPr>
+          <p:cNvPr id="2" name="Slide Image Placeholder 1"/>
+          <p:cNvSpPr>
+            <a:spLocks noGrp="1" noRot="1" noChangeAspect="1"/>
+          </p:cNvSpPr>
+          <p:nvPr>
+            <p:ph type="sldImg"/>
+          </p:nvPr>
+        </p:nvSpPr>
+        <p:spPr/>
+      </p:sp>
+      <p:sp>
+        <p:nvSpPr>
+          <p:cNvPr id="3" name="Notes Placeholder 2"/>
+          <p:cNvSpPr>
+            <a:spLocks noGrp="1"/>
+          </p:cNvSpPr>
+          <p:nvPr>
+            <p:ph type="body" idx="1"/>
+          </p:nvPr>
+        </p:nvSpPr>
+        <p:spPr/>
+        <p:txBody>
+          <a:bodyPr/>
+          <a:lstStyle/>
+          <a:p>
+            <a:endParaRPr lang="en-US"/>
+          </a:p>
+        </p:txBody>
+      </p:sp>
+      <p:sp>
+        <p:nvSpPr>
+          <p:cNvPr id="4" name="Slide Number Placeholder 3"/>
+          <p:cNvSpPr>
+            <a:spLocks noGrp="1"/>
+          </p:cNvSpPr>
+          <p:nvPr>
+            <p:ph type="sldNum" sz="quarter" idx="10"/>
+          </p:nvPr>
+        </p:nvSpPr>
+        <p:spPr/>
+        <p:txBody>
+          <a:bodyPr/>
+          <a:lstStyle/>
+          <a:p>
+            <a:fld id="{54E209E8-AB32-AD49-A08A-0227626528C8}" type="slidenum">
+              <a:rPr lang="en-US" smtClean="0"/>
+              <a:t>7</a:t>
+            </a:fld>
+            <a:endParaRPr lang="en-US"/>
+          </a:p>
+        </p:txBody>
+      </p:sp>
+    </p:spTree>
+    <p:extLst>
+      <p:ext uri="{BB962C8B-B14F-4D97-AF65-F5344CB8AC3E}">
+        <p14:creationId xmlns:p14="http://schemas.microsoft.com/office/powerpoint/2010/main" val="1997855076"/>
+      </p:ext>
+    </p:extLst>
+  </p:cSld>
+  <p:clrMapOvr>
+    <a:masterClrMapping/>
+  </p:clrMapOvr>
+</p:notes>
+</file>
+
+<file path=ppt/notesSlides/notesSlide8.xml><?xml version="1.0" encoding="utf-8"?>
+<p:notes xmlns:a="http://schemas.openxmlformats.org/drawingml/2006/main" xmlns:r="http://schemas.openxmlformats.org/officeDocument/2006/relationships" xmlns:p="http://schemas.openxmlformats.org/presentationml/2006/main">
+  <p:cSld>
+    <p:spTree>
+      <p:nvGrpSpPr>
+        <p:cNvPr id="1" name=""/>
+        <p:cNvGrpSpPr/>
+        <p:nvPr/>
+      </p:nvGrpSpPr>
+      <p:grpSpPr>
+        <a:xfrm>
+          <a:off x="0" y="0"/>
+          <a:ext cx="0" cy="0"/>
+          <a:chOff x="0" y="0"/>
+          <a:chExt cx="0" cy="0"/>
+        </a:xfrm>
+      </p:grpSpPr>
+      <p:sp>
+        <p:nvSpPr>
+          <p:cNvPr id="2" name="Slide Image Placeholder 1"/>
+          <p:cNvSpPr>
+            <a:spLocks noGrp="1" noRot="1" noChangeAspect="1"/>
+          </p:cNvSpPr>
+          <p:nvPr>
+            <p:ph type="sldImg"/>
+          </p:nvPr>
+        </p:nvSpPr>
+        <p:spPr/>
+      </p:sp>
+      <p:sp>
+        <p:nvSpPr>
+          <p:cNvPr id="3" name="Notes Placeholder 2"/>
+          <p:cNvSpPr>
+            <a:spLocks noGrp="1"/>
+          </p:cNvSpPr>
+          <p:nvPr>
+            <p:ph type="body" idx="1"/>
+          </p:nvPr>
+        </p:nvSpPr>
+        <p:spPr/>
+        <p:txBody>
+          <a:bodyPr/>
+          <a:lstStyle/>
+          <a:p>
+            <a:endParaRPr lang="en-US"/>
+          </a:p>
+        </p:txBody>
+      </p:sp>
+      <p:sp>
+        <p:nvSpPr>
+          <p:cNvPr id="4" name="Slide Number Placeholder 3"/>
+          <p:cNvSpPr>
+            <a:spLocks noGrp="1"/>
+          </p:cNvSpPr>
+          <p:nvPr>
+            <p:ph type="sldNum" sz="quarter" idx="10"/>
+          </p:nvPr>
+        </p:nvSpPr>
+        <p:spPr/>
+        <p:txBody>
+          <a:bodyPr/>
+          <a:lstStyle/>
+          <a:p>
+            <a:fld id="{54E209E8-AB32-AD49-A08A-0227626528C8}" type="slidenum">
+              <a:rPr lang="en-US" smtClean="0"/>
+              <a:t>8</a:t>
+            </a:fld>
+            <a:endParaRPr lang="en-US"/>
+          </a:p>
+        </p:txBody>
+      </p:sp>
+    </p:spTree>
+    <p:extLst>
+      <p:ext uri="{BB962C8B-B14F-4D97-AF65-F5344CB8AC3E}">
+        <p14:creationId xmlns:p14="http://schemas.microsoft.com/office/powerpoint/2010/main" val="1232276449"/>
+      </p:ext>
+    </p:extLst>
+  </p:cSld>
+  <p:clrMapOvr>
+    <a:masterClrMapping/>
+  </p:clrMapOvr>
+</p:notes>
+</file>
+
+<file path=ppt/notesSlides/notesSlide9.xml><?xml version="1.0" encoding="utf-8"?>
+<p:notes xmlns:a="http://schemas.openxmlformats.org/drawingml/2006/main" xmlns:r="http://schemas.openxmlformats.org/officeDocument/2006/relationships" xmlns:p="http://schemas.openxmlformats.org/presentationml/2006/main">
+  <p:cSld>
+    <p:spTree>
+      <p:nvGrpSpPr>
+        <p:cNvPr id="1" name=""/>
+        <p:cNvGrpSpPr/>
+        <p:nvPr/>
+      </p:nvGrpSpPr>
+      <p:grpSpPr>
+        <a:xfrm>
+          <a:off x="0" y="0"/>
+          <a:ext cx="0" cy="0"/>
+          <a:chOff x="0" y="0"/>
+          <a:chExt cx="0" cy="0"/>
+        </a:xfrm>
+      </p:grpSpPr>
+      <p:sp>
+        <p:nvSpPr>
+          <p:cNvPr id="2" name="Slide Image Placeholder 1"/>
+          <p:cNvSpPr>
+            <a:spLocks noGrp="1" noRot="1" noChangeAspect="1"/>
+          </p:cNvSpPr>
+          <p:nvPr>
+            <p:ph type="sldImg"/>
+          </p:nvPr>
+        </p:nvSpPr>
+        <p:spPr/>
+      </p:sp>
+      <p:sp>
+        <p:nvSpPr>
+          <p:cNvPr id="3" name="Notes Placeholder 2"/>
+          <p:cNvSpPr>
+            <a:spLocks noGrp="1"/>
+          </p:cNvSpPr>
+          <p:nvPr>
+            <p:ph type="body" idx="1"/>
+          </p:nvPr>
+        </p:nvSpPr>
+        <p:spPr/>
+        <p:txBody>
+          <a:bodyPr/>
+          <a:lstStyle/>
+          <a:p>
+            <a:endParaRPr lang="en-US"/>
+          </a:p>
+        </p:txBody>
+      </p:sp>
+      <p:sp>
+        <p:nvSpPr>
+          <p:cNvPr id="4" name="Slide Number Placeholder 3"/>
+          <p:cNvSpPr>
+            <a:spLocks noGrp="1"/>
+          </p:cNvSpPr>
+          <p:nvPr>
+            <p:ph type="sldNum" sz="quarter" idx="10"/>
+          </p:nvPr>
+        </p:nvSpPr>
+        <p:spPr/>
+        <p:txBody>
+          <a:bodyPr/>
+          <a:lstStyle/>
+          <a:p>
+            <a:fld id="{54E209E8-AB32-AD49-A08A-0227626528C8}" type="slidenum">
+              <a:rPr lang="en-US" smtClean="0"/>
+              <a:t>9</a:t>
+            </a:fld>
+            <a:endParaRPr lang="en-US"/>
+          </a:p>
+        </p:txBody>
+      </p:sp>
+    </p:spTree>
+    <p:extLst>
+      <p:ext uri="{BB962C8B-B14F-4D97-AF65-F5344CB8AC3E}">
+        <p14:creationId xmlns:p14="http://schemas.microsoft.com/office/powerpoint/2010/main" val="356177124"/>
+      </p:ext>
+    </p:extLst>
+  </p:cSld>
+  <p:clrMapOvr>
+    <a:masterClrMapping/>
+  </p:clrMapOvr>
+</p:notes>
 </file>
 
 <file path=ppt/slideLayouts/slideLayout1.xml><?xml version="1.0" encoding="utf-8"?>
@@ -4866,7 +5708,15 @@
             <a:pPr lvl="0"/>
             <a:r>
               <a:rPr lang="en-US" sz="2100" dirty="0" smtClean="0"/>
-              <a:t>To confession openly yet discreetly, in style.</a:t>
+              <a:t>To </a:t>
+            </a:r>
+            <a:r>
+              <a:rPr lang="en-US" sz="2100" dirty="0" smtClean="0"/>
+              <a:t>confess </a:t>
+            </a:r>
+            <a:r>
+              <a:rPr lang="en-US" sz="2100" dirty="0" smtClean="0"/>
+              <a:t>openly yet discreetly, in style.</a:t>
             </a:r>
           </a:p>
           <a:p>
@@ -5356,7 +6206,1244 @@
 </p:sld>
 </file>
 
+<file path=ppt/slides/slide10.xml><?xml version="1.0" encoding="utf-8"?>
+<p:sld xmlns:a="http://schemas.openxmlformats.org/drawingml/2006/main" xmlns:r="http://schemas.openxmlformats.org/officeDocument/2006/relationships" xmlns:p="http://schemas.openxmlformats.org/presentationml/2006/main">
+  <p:cSld>
+    <p:bg>
+      <p:bgPr>
+        <a:gradFill rotWithShape="1">
+          <a:gsLst>
+            <a:gs pos="0">
+              <a:schemeClr val="bg2">
+                <a:tint val="90000"/>
+                <a:shade val="92000"/>
+                <a:satMod val="160000"/>
+                <a:alpha val="37000"/>
+              </a:schemeClr>
+            </a:gs>
+            <a:gs pos="77000">
+              <a:schemeClr val="bg2">
+                <a:tint val="100000"/>
+                <a:shade val="73000"/>
+                <a:satMod val="155000"/>
+                <a:alpha val="73000"/>
+              </a:schemeClr>
+            </a:gs>
+            <a:gs pos="100000">
+              <a:schemeClr val="bg2">
+                <a:tint val="100000"/>
+                <a:shade val="67000"/>
+                <a:satMod val="145000"/>
+              </a:schemeClr>
+            </a:gs>
+          </a:gsLst>
+          <a:lin ang="5400000" scaled="0"/>
+        </a:gradFill>
+        <a:effectLst/>
+      </p:bgPr>
+    </p:bg>
+    <p:spTree>
+      <p:nvGrpSpPr>
+        <p:cNvPr id="1" name=""/>
+        <p:cNvGrpSpPr/>
+        <p:nvPr/>
+      </p:nvGrpSpPr>
+      <p:grpSpPr>
+        <a:xfrm>
+          <a:off x="0" y="0"/>
+          <a:ext cx="0" cy="0"/>
+          <a:chOff x="0" y="0"/>
+          <a:chExt cx="0" cy="0"/>
+        </a:xfrm>
+      </p:grpSpPr>
+      <p:sp>
+        <p:nvSpPr>
+          <p:cNvPr id="4" name="TextBox 3">
+            <a:extLst>
+              <a:ext uri="{FF2B5EF4-FFF2-40B4-BE49-F238E27FC236}">
+                <a16:creationId xmlns="" xmlns:a16="http://schemas.microsoft.com/office/drawing/2014/main" id="{BEDDE5A4-D7FC-344D-BC76-6258F3ED8C74}"/>
+              </a:ext>
+            </a:extLst>
+          </p:cNvPr>
+          <p:cNvSpPr txBox="1"/>
+          <p:nvPr/>
+        </p:nvSpPr>
+        <p:spPr>
+          <a:xfrm>
+            <a:off x="1861184" y="2000667"/>
+            <a:ext cx="8357236" cy="3108543"/>
+          </a:xfrm>
+          <a:prstGeom prst="rect">
+            <a:avLst/>
+          </a:prstGeom>
+          <a:noFill/>
+        </p:spPr>
+        <p:txBody>
+          <a:bodyPr wrap="square" rtlCol="0">
+            <a:spAutoFit/>
+          </a:bodyPr>
+          <a:lstStyle/>
+          <a:p>
+            <a:pPr algn="ctr"/>
+            <a:r>
+              <a:rPr lang="en-HK" sz="2800" b="1" dirty="0"/>
+              <a:t>You don’t need a tree hole anymore.</a:t>
+            </a:r>
+          </a:p>
+          <a:p>
+            <a:pPr algn="ctr"/>
+            <a:endParaRPr lang="en-US" sz="2800" dirty="0"/>
+          </a:p>
+          <a:p>
+            <a:pPr algn="ctr"/>
+            <a:r>
+              <a:rPr lang="en-HK" sz="2800" dirty="0"/>
+              <a:t>Let’s share the sorrow and advice </a:t>
+            </a:r>
+          </a:p>
+          <a:p>
+            <a:pPr algn="ctr"/>
+            <a:endParaRPr lang="en-HK" sz="2800" dirty="0"/>
+          </a:p>
+          <a:p>
+            <a:pPr algn="ctr"/>
+            <a:r>
+              <a:rPr lang="en-HK" sz="2800" dirty="0"/>
+              <a:t>To make the world better!</a:t>
+            </a:r>
+          </a:p>
+          <a:p>
+            <a:pPr algn="ctr"/>
+            <a:endParaRPr lang="en-HK" sz="2800" dirty="0"/>
+          </a:p>
+          <a:p>
+            <a:pPr algn="ctr"/>
+            <a:r>
+              <a:rPr lang="en-HK" sz="2800" dirty="0"/>
+              <a:t>Thank you !</a:t>
+            </a:r>
+          </a:p>
+        </p:txBody>
+      </p:sp>
+      <p:sp>
+        <p:nvSpPr>
+          <p:cNvPr id="7" name="TextBox 6">
+            <a:extLst>
+              <a:ext uri="{FF2B5EF4-FFF2-40B4-BE49-F238E27FC236}">
+                <a16:creationId xmlns="" xmlns:a16="http://schemas.microsoft.com/office/drawing/2014/main" id="{71A037D3-4D20-7344-8551-8DFD13133AC2}"/>
+              </a:ext>
+            </a:extLst>
+          </p:cNvPr>
+          <p:cNvSpPr txBox="1"/>
+          <p:nvPr/>
+        </p:nvSpPr>
+        <p:spPr>
+          <a:xfrm>
+            <a:off x="3677600" y="6004558"/>
+            <a:ext cx="4797327" cy="400110"/>
+          </a:xfrm>
+          <a:prstGeom prst="rect">
+            <a:avLst/>
+          </a:prstGeom>
+          <a:noFill/>
+        </p:spPr>
+        <p:txBody>
+          <a:bodyPr wrap="square" rtlCol="0">
+            <a:spAutoFit/>
+          </a:bodyPr>
+          <a:lstStyle/>
+          <a:p>
+            <a:r>
+              <a:rPr lang="en-HK" sz="2000" b="1" i="1" dirty="0">
+                <a:solidFill>
+                  <a:schemeClr val="bg1"/>
+                </a:solidFill>
+              </a:rPr>
+              <a:t>You don’t need a tree hole anymore</a:t>
+            </a:r>
+          </a:p>
+        </p:txBody>
+      </p:sp>
+      <p:sp>
+        <p:nvSpPr>
+          <p:cNvPr id="5" name="TextBox 4">
+            <a:extLst>
+              <a:ext uri="{FF2B5EF4-FFF2-40B4-BE49-F238E27FC236}">
+                <a16:creationId xmlns="" xmlns:a16="http://schemas.microsoft.com/office/drawing/2014/main" id="{72BE1CF8-E002-1D47-B6BF-5E54B02EF44A}"/>
+              </a:ext>
+            </a:extLst>
+          </p:cNvPr>
+          <p:cNvSpPr txBox="1"/>
+          <p:nvPr/>
+        </p:nvSpPr>
+        <p:spPr>
+          <a:xfrm>
+            <a:off x="3984284" y="281647"/>
+            <a:ext cx="4074443" cy="584776"/>
+          </a:xfrm>
+          <a:prstGeom prst="rect">
+            <a:avLst/>
+          </a:prstGeom>
+          <a:noFill/>
+        </p:spPr>
+        <p:txBody>
+          <a:bodyPr wrap="square" rtlCol="0">
+            <a:spAutoFit/>
+          </a:bodyPr>
+          <a:lstStyle/>
+          <a:p>
+            <a:r>
+              <a:rPr lang="en-US" sz="3200" b="1" dirty="0" smtClean="0">
+                <a:solidFill>
+                  <a:schemeClr val="accent2">
+                    <a:lumMod val="75000"/>
+                  </a:schemeClr>
+                </a:solidFill>
+              </a:rPr>
+              <a:t>“DISCREETLY OPEN”</a:t>
+            </a:r>
+            <a:endParaRPr lang="en-US" sz="3200" b="1" dirty="0">
+              <a:solidFill>
+                <a:schemeClr val="accent2">
+                  <a:lumMod val="75000"/>
+                </a:schemeClr>
+              </a:solidFill>
+            </a:endParaRPr>
+          </a:p>
+        </p:txBody>
+      </p:sp>
+      <p:pic>
+        <p:nvPicPr>
+          <p:cNvPr id="6" name="Picture 5">
+            <a:extLst>
+              <a:ext uri="{FF2B5EF4-FFF2-40B4-BE49-F238E27FC236}">
+                <a16:creationId xmlns:a16="http://schemas.microsoft.com/office/drawing/2014/main" xmlns="" id="{625FD4FF-2810-9545-9073-2063216A61BE}"/>
+              </a:ext>
+            </a:extLst>
+          </p:cNvPr>
+          <p:cNvPicPr>
+            <a:picLocks noChangeAspect="1"/>
+          </p:cNvPicPr>
+          <p:nvPr/>
+        </p:nvPicPr>
+        <p:blipFill>
+          <a:blip r:embed="rId2"/>
+          <a:stretch>
+            <a:fillRect/>
+          </a:stretch>
+        </p:blipFill>
+        <p:spPr>
+          <a:xfrm>
+            <a:off x="8656703" y="3284340"/>
+            <a:ext cx="2082800" cy="2146300"/>
+          </a:xfrm>
+          <a:prstGeom prst="rect">
+            <a:avLst/>
+          </a:prstGeom>
+        </p:spPr>
+      </p:pic>
+    </p:spTree>
+    <p:extLst>
+      <p:ext uri="{BB962C8B-B14F-4D97-AF65-F5344CB8AC3E}">
+        <p14:creationId xmlns:p14="http://schemas.microsoft.com/office/powerpoint/2010/main" val="2750443609"/>
+      </p:ext>
+    </p:extLst>
+  </p:cSld>
+  <p:clrMapOvr>
+    <a:masterClrMapping/>
+  </p:clrMapOvr>
+  <mc:AlternateContent xmlns:mc="http://schemas.openxmlformats.org/markup-compatibility/2006" xmlns:p14="http://schemas.microsoft.com/office/powerpoint/2010/main">
+    <mc:Choice Requires="p14">
+      <p:transition p14:dur="200">
+        <p:fade/>
+      </p:transition>
+    </mc:Choice>
+    <mc:Fallback xmlns="">
+      <p:transition>
+        <p:fade/>
+      </p:transition>
+    </mc:Fallback>
+  </mc:AlternateContent>
+  <p:timing>
+    <p:tnLst>
+      <p:par>
+        <p:cTn xmlns:p14="http://schemas.microsoft.com/office/powerpoint/2010/main" id="1" dur="indefinite" restart="never" nodeType="tmRoot"/>
+      </p:par>
+    </p:tnLst>
+  </p:timing>
+</p:sld>
+</file>
+
+<file path=ppt/slides/slide11.xml><?xml version="1.0" encoding="utf-8"?>
+<p:sld xmlns:a="http://schemas.openxmlformats.org/drawingml/2006/main" xmlns:r="http://schemas.openxmlformats.org/officeDocument/2006/relationships" xmlns:p="http://schemas.openxmlformats.org/presentationml/2006/main">
+  <p:cSld>
+    <p:bg>
+      <p:bgPr>
+        <a:gradFill rotWithShape="1">
+          <a:gsLst>
+            <a:gs pos="0">
+              <a:schemeClr val="bg2">
+                <a:tint val="90000"/>
+                <a:shade val="92000"/>
+                <a:satMod val="160000"/>
+                <a:alpha val="35000"/>
+              </a:schemeClr>
+            </a:gs>
+            <a:gs pos="77000">
+              <a:schemeClr val="bg2">
+                <a:tint val="100000"/>
+                <a:shade val="73000"/>
+                <a:satMod val="155000"/>
+                <a:alpha val="67000"/>
+              </a:schemeClr>
+            </a:gs>
+            <a:gs pos="100000">
+              <a:schemeClr val="bg2">
+                <a:tint val="100000"/>
+                <a:shade val="67000"/>
+                <a:satMod val="145000"/>
+              </a:schemeClr>
+            </a:gs>
+          </a:gsLst>
+          <a:lin ang="5400000" scaled="0"/>
+        </a:gradFill>
+        <a:effectLst/>
+      </p:bgPr>
+    </p:bg>
+    <p:spTree>
+      <p:nvGrpSpPr>
+        <p:cNvPr id="1" name=""/>
+        <p:cNvGrpSpPr/>
+        <p:nvPr/>
+      </p:nvGrpSpPr>
+      <p:grpSpPr>
+        <a:xfrm>
+          <a:off x="0" y="0"/>
+          <a:ext cx="0" cy="0"/>
+          <a:chOff x="0" y="0"/>
+          <a:chExt cx="0" cy="0"/>
+        </a:xfrm>
+      </p:grpSpPr>
+      <p:sp>
+        <p:nvSpPr>
+          <p:cNvPr id="4" name="TextBox 3">
+            <a:extLst>
+              <a:ext uri="{FF2B5EF4-FFF2-40B4-BE49-F238E27FC236}">
+                <a16:creationId xmlns="" xmlns:a16="http://schemas.microsoft.com/office/drawing/2014/main" id="{BEDDE5A4-D7FC-344D-BC76-6258F3ED8C74}"/>
+              </a:ext>
+            </a:extLst>
+          </p:cNvPr>
+          <p:cNvSpPr txBox="1"/>
+          <p:nvPr/>
+        </p:nvSpPr>
+        <p:spPr>
+          <a:xfrm>
+            <a:off x="1861184" y="2109066"/>
+            <a:ext cx="8357236" cy="1200329"/>
+          </a:xfrm>
+          <a:prstGeom prst="rect">
+            <a:avLst/>
+          </a:prstGeom>
+          <a:noFill/>
+        </p:spPr>
+        <p:txBody>
+          <a:bodyPr wrap="square" rtlCol="0">
+            <a:spAutoFit/>
+          </a:bodyPr>
+          <a:lstStyle/>
+          <a:p>
+            <a:endParaRPr lang="en-US" dirty="0"/>
+          </a:p>
+          <a:p>
+            <a:pPr algn="ctr"/>
+            <a:r>
+              <a:rPr lang="en-US" sz="5400" dirty="0" smtClean="0"/>
+              <a:t>Thank You Guys :D</a:t>
+            </a:r>
+            <a:endParaRPr lang="en-US" dirty="0"/>
+          </a:p>
+        </p:txBody>
+      </p:sp>
+      <p:sp>
+        <p:nvSpPr>
+          <p:cNvPr id="7" name="TextBox 6">
+            <a:extLst>
+              <a:ext uri="{FF2B5EF4-FFF2-40B4-BE49-F238E27FC236}">
+                <a16:creationId xmlns="" xmlns:a16="http://schemas.microsoft.com/office/drawing/2014/main" id="{569EF861-8AA2-3B47-AFAA-EA55BC2EBAA1}"/>
+              </a:ext>
+            </a:extLst>
+          </p:cNvPr>
+          <p:cNvSpPr txBox="1"/>
+          <p:nvPr/>
+        </p:nvSpPr>
+        <p:spPr>
+          <a:xfrm>
+            <a:off x="3677600" y="6004558"/>
+            <a:ext cx="4797327" cy="400110"/>
+          </a:xfrm>
+          <a:prstGeom prst="rect">
+            <a:avLst/>
+          </a:prstGeom>
+          <a:noFill/>
+        </p:spPr>
+        <p:txBody>
+          <a:bodyPr wrap="square" rtlCol="0">
+            <a:spAutoFit/>
+          </a:bodyPr>
+          <a:lstStyle/>
+          <a:p>
+            <a:r>
+              <a:rPr lang="en-HK" sz="2000" b="1" i="1" dirty="0">
+                <a:solidFill>
+                  <a:schemeClr val="bg1"/>
+                </a:solidFill>
+              </a:rPr>
+              <a:t>You don’t need a tree hole anymore</a:t>
+            </a:r>
+          </a:p>
+        </p:txBody>
+      </p:sp>
+      <p:sp>
+        <p:nvSpPr>
+          <p:cNvPr id="5" name="TextBox 4">
+            <a:extLst>
+              <a:ext uri="{FF2B5EF4-FFF2-40B4-BE49-F238E27FC236}">
+                <a16:creationId xmlns="" xmlns:a16="http://schemas.microsoft.com/office/drawing/2014/main" id="{72BE1CF8-E002-1D47-B6BF-5E54B02EF44A}"/>
+              </a:ext>
+            </a:extLst>
+          </p:cNvPr>
+          <p:cNvSpPr txBox="1"/>
+          <p:nvPr/>
+        </p:nvSpPr>
+        <p:spPr>
+          <a:xfrm>
+            <a:off x="3984284" y="281647"/>
+            <a:ext cx="4074443" cy="584776"/>
+          </a:xfrm>
+          <a:prstGeom prst="rect">
+            <a:avLst/>
+          </a:prstGeom>
+          <a:noFill/>
+        </p:spPr>
+        <p:txBody>
+          <a:bodyPr wrap="square" rtlCol="0">
+            <a:spAutoFit/>
+          </a:bodyPr>
+          <a:lstStyle/>
+          <a:p>
+            <a:r>
+              <a:rPr lang="en-US" sz="3200" b="1" dirty="0" smtClean="0">
+                <a:solidFill>
+                  <a:schemeClr val="accent2">
+                    <a:lumMod val="75000"/>
+                  </a:schemeClr>
+                </a:solidFill>
+              </a:rPr>
+              <a:t>“DISCREETLY OPEN”</a:t>
+            </a:r>
+            <a:endParaRPr lang="en-US" sz="3200" b="1" dirty="0">
+              <a:solidFill>
+                <a:schemeClr val="accent2">
+                  <a:lumMod val="75000"/>
+                </a:schemeClr>
+              </a:solidFill>
+            </a:endParaRPr>
+          </a:p>
+        </p:txBody>
+      </p:sp>
+      <p:pic>
+        <p:nvPicPr>
+          <p:cNvPr id="6" name="Picture 5">
+            <a:extLst>
+              <a:ext uri="{FF2B5EF4-FFF2-40B4-BE49-F238E27FC236}">
+                <a16:creationId xmlns:a16="http://schemas.microsoft.com/office/drawing/2014/main" xmlns="" id="{625FD4FF-2810-9545-9073-2063216A61BE}"/>
+              </a:ext>
+            </a:extLst>
+          </p:cNvPr>
+          <p:cNvPicPr>
+            <a:picLocks noChangeAspect="1"/>
+          </p:cNvPicPr>
+          <p:nvPr/>
+        </p:nvPicPr>
+        <p:blipFill>
+          <a:blip r:embed="rId3"/>
+          <a:stretch>
+            <a:fillRect/>
+          </a:stretch>
+        </p:blipFill>
+        <p:spPr>
+          <a:xfrm>
+            <a:off x="8656703" y="3284340"/>
+            <a:ext cx="2082800" cy="2146300"/>
+          </a:xfrm>
+          <a:prstGeom prst="rect">
+            <a:avLst/>
+          </a:prstGeom>
+        </p:spPr>
+      </p:pic>
+    </p:spTree>
+    <p:extLst>
+      <p:ext uri="{BB962C8B-B14F-4D97-AF65-F5344CB8AC3E}">
+        <p14:creationId xmlns:p14="http://schemas.microsoft.com/office/powerpoint/2010/main" val="1554167277"/>
+      </p:ext>
+    </p:extLst>
+  </p:cSld>
+  <p:clrMapOvr>
+    <a:masterClrMapping/>
+  </p:clrMapOvr>
+  <mc:AlternateContent xmlns:mc="http://schemas.openxmlformats.org/markup-compatibility/2006" xmlns:p14="http://schemas.microsoft.com/office/powerpoint/2010/main">
+    <mc:Choice Requires="p14">
+      <p:transition p14:dur="200">
+        <p:fade/>
+      </p:transition>
+    </mc:Choice>
+    <mc:Fallback xmlns="">
+      <p:transition>
+        <p:fade/>
+      </p:transition>
+    </mc:Fallback>
+  </mc:AlternateContent>
+  <p:timing>
+    <p:tnLst>
+      <p:par>
+        <p:cTn xmlns:p14="http://schemas.microsoft.com/office/powerpoint/2010/main" id="1" dur="indefinite" restart="never" nodeType="tmRoot"/>
+      </p:par>
+    </p:tnLst>
+  </p:timing>
+</p:sld>
+</file>
+
 <file path=ppt/slides/slide2.xml><?xml version="1.0" encoding="utf-8"?>
+<p:sld xmlns:a="http://schemas.openxmlformats.org/drawingml/2006/main" xmlns:r="http://schemas.openxmlformats.org/officeDocument/2006/relationships" xmlns:p="http://schemas.openxmlformats.org/presentationml/2006/main">
+  <p:cSld>
+    <p:spTree>
+      <p:nvGrpSpPr>
+        <p:cNvPr id="1" name=""/>
+        <p:cNvGrpSpPr/>
+        <p:nvPr/>
+      </p:nvGrpSpPr>
+      <p:grpSpPr>
+        <a:xfrm>
+          <a:off x="0" y="0"/>
+          <a:ext cx="0" cy="0"/>
+          <a:chOff x="0" y="0"/>
+          <a:chExt cx="0" cy="0"/>
+        </a:xfrm>
+      </p:grpSpPr>
+      <p:sp>
+        <p:nvSpPr>
+          <p:cNvPr id="4" name="TextBox 3">
+            <a:extLst>
+              <a:ext uri="{FF2B5EF4-FFF2-40B4-BE49-F238E27FC236}">
+                <a16:creationId xmlns="" xmlns:a16="http://schemas.microsoft.com/office/drawing/2014/main" id="{BEDDE5A4-D7FC-344D-BC76-6258F3ED8C74}"/>
+              </a:ext>
+            </a:extLst>
+          </p:cNvPr>
+          <p:cNvSpPr txBox="1"/>
+          <p:nvPr/>
+        </p:nvSpPr>
+        <p:spPr>
+          <a:xfrm>
+            <a:off x="4324161" y="2165320"/>
+            <a:ext cx="3647413" cy="584776"/>
+          </a:xfrm>
+          <a:prstGeom prst="rect">
+            <a:avLst/>
+          </a:prstGeom>
+          <a:noFill/>
+        </p:spPr>
+        <p:txBody>
+          <a:bodyPr wrap="square" rtlCol="0">
+            <a:spAutoFit/>
+          </a:bodyPr>
+          <a:lstStyle/>
+          <a:p>
+            <a:r>
+              <a:rPr lang="en-HK" sz="3200" dirty="0" smtClean="0"/>
+              <a:t>It sounds wrong?</a:t>
+            </a:r>
+            <a:endParaRPr lang="en-HK" sz="3200" dirty="0"/>
+          </a:p>
+        </p:txBody>
+      </p:sp>
+      <p:sp>
+        <p:nvSpPr>
+          <p:cNvPr id="12" name="TextBox 11">
+            <a:extLst>
+              <a:ext uri="{FF2B5EF4-FFF2-40B4-BE49-F238E27FC236}">
+                <a16:creationId xmlns="" xmlns:a16="http://schemas.microsoft.com/office/drawing/2014/main" id="{B7388996-C956-1F48-B45C-88FEC6D27737}"/>
+              </a:ext>
+            </a:extLst>
+          </p:cNvPr>
+          <p:cNvSpPr txBox="1"/>
+          <p:nvPr/>
+        </p:nvSpPr>
+        <p:spPr>
+          <a:xfrm>
+            <a:off x="3677600" y="6004558"/>
+            <a:ext cx="4797327" cy="400110"/>
+          </a:xfrm>
+          <a:prstGeom prst="rect">
+            <a:avLst/>
+          </a:prstGeom>
+          <a:noFill/>
+        </p:spPr>
+        <p:txBody>
+          <a:bodyPr wrap="square" rtlCol="0">
+            <a:spAutoFit/>
+          </a:bodyPr>
+          <a:lstStyle/>
+          <a:p>
+            <a:r>
+              <a:rPr lang="en-HK" sz="2000" b="1" i="1" dirty="0">
+                <a:solidFill>
+                  <a:schemeClr val="bg1"/>
+                </a:solidFill>
+              </a:rPr>
+              <a:t>You don’t need a tree hole anymore</a:t>
+            </a:r>
+          </a:p>
+        </p:txBody>
+      </p:sp>
+      <p:sp>
+        <p:nvSpPr>
+          <p:cNvPr id="13" name="TextBox 12">
+            <a:extLst>
+              <a:ext uri="{FF2B5EF4-FFF2-40B4-BE49-F238E27FC236}">
+                <a16:creationId xmlns="" xmlns:a16="http://schemas.microsoft.com/office/drawing/2014/main" id="{72BE1CF8-E002-1D47-B6BF-5E54B02EF44A}"/>
+              </a:ext>
+            </a:extLst>
+          </p:cNvPr>
+          <p:cNvSpPr txBox="1"/>
+          <p:nvPr/>
+        </p:nvSpPr>
+        <p:spPr>
+          <a:xfrm>
+            <a:off x="3984284" y="281647"/>
+            <a:ext cx="4074443" cy="584776"/>
+          </a:xfrm>
+          <a:prstGeom prst="rect">
+            <a:avLst/>
+          </a:prstGeom>
+          <a:noFill/>
+        </p:spPr>
+        <p:txBody>
+          <a:bodyPr wrap="square" rtlCol="0">
+            <a:spAutoFit/>
+          </a:bodyPr>
+          <a:lstStyle/>
+          <a:p>
+            <a:r>
+              <a:rPr lang="en-US" sz="3200" b="1" dirty="0" smtClean="0">
+                <a:solidFill>
+                  <a:schemeClr val="accent2">
+                    <a:lumMod val="75000"/>
+                  </a:schemeClr>
+                </a:solidFill>
+              </a:rPr>
+              <a:t>“DISCREETLY OPEN”</a:t>
+            </a:r>
+            <a:endParaRPr lang="en-US" sz="3200" b="1" dirty="0">
+              <a:solidFill>
+                <a:schemeClr val="accent2">
+                  <a:lumMod val="75000"/>
+                </a:schemeClr>
+              </a:solidFill>
+            </a:endParaRPr>
+          </a:p>
+        </p:txBody>
+      </p:sp>
+      <p:sp>
+        <p:nvSpPr>
+          <p:cNvPr id="15" name="TextBox 14">
+            <a:extLst>
+              <a:ext uri="{FF2B5EF4-FFF2-40B4-BE49-F238E27FC236}">
+                <a16:creationId xmlns="" xmlns:a16="http://schemas.microsoft.com/office/drawing/2014/main" id="{0720FD9E-AA7F-3B43-B96A-F9918A011535}"/>
+              </a:ext>
+            </a:extLst>
+          </p:cNvPr>
+          <p:cNvSpPr txBox="1"/>
+          <p:nvPr/>
+        </p:nvSpPr>
+        <p:spPr>
+          <a:xfrm>
+            <a:off x="1679943" y="3233161"/>
+            <a:ext cx="8646796" cy="369332"/>
+          </a:xfrm>
+          <a:prstGeom prst="rect">
+            <a:avLst/>
+          </a:prstGeom>
+          <a:noFill/>
+        </p:spPr>
+        <p:txBody>
+          <a:bodyPr wrap="square" rtlCol="0">
+            <a:spAutoFit/>
+          </a:bodyPr>
+          <a:lstStyle/>
+          <a:p>
+            <a:pPr marL="285750" indent="-285750">
+              <a:buFont typeface="Arial"/>
+              <a:buChar char="•"/>
+            </a:pPr>
+            <a:r>
+              <a:rPr lang="en-HK" dirty="0" smtClean="0"/>
+              <a:t>Psychological remedy</a:t>
+            </a:r>
+            <a:endParaRPr lang="en-HK" dirty="0"/>
+          </a:p>
+        </p:txBody>
+      </p:sp>
+      <p:sp>
+        <p:nvSpPr>
+          <p:cNvPr id="16" name="TextBox 15">
+            <a:extLst>
+              <a:ext uri="{FF2B5EF4-FFF2-40B4-BE49-F238E27FC236}">
+                <a16:creationId xmlns="" xmlns:a16="http://schemas.microsoft.com/office/drawing/2014/main" id="{FA76EABE-9EF2-C64D-ACE2-69FC87727CCF}"/>
+              </a:ext>
+            </a:extLst>
+          </p:cNvPr>
+          <p:cNvSpPr txBox="1"/>
+          <p:nvPr/>
+        </p:nvSpPr>
+        <p:spPr>
+          <a:xfrm>
+            <a:off x="1716404" y="2765075"/>
+            <a:ext cx="8646796" cy="369332"/>
+          </a:xfrm>
+          <a:prstGeom prst="rect">
+            <a:avLst/>
+          </a:prstGeom>
+          <a:noFill/>
+        </p:spPr>
+        <p:txBody>
+          <a:bodyPr wrap="square" rtlCol="0">
+            <a:spAutoFit/>
+          </a:bodyPr>
+          <a:lstStyle/>
+          <a:p>
+            <a:pPr algn="ctr"/>
+            <a:r>
+              <a:rPr lang="en-HK" dirty="0" smtClean="0"/>
+              <a:t>No you are wrong </a:t>
+            </a:r>
+            <a:r>
+              <a:rPr lang="en-HK" dirty="0" smtClean="0">
+                <a:sym typeface="Wingdings"/>
+              </a:rPr>
+              <a:t></a:t>
+            </a:r>
+            <a:endParaRPr lang="en-HK" dirty="0"/>
+          </a:p>
+        </p:txBody>
+      </p:sp>
+      <p:sp>
+        <p:nvSpPr>
+          <p:cNvPr id="17" name="TextBox 16">
+            <a:extLst>
+              <a:ext uri="{FF2B5EF4-FFF2-40B4-BE49-F238E27FC236}">
+                <a16:creationId xmlns="" xmlns:a16="http://schemas.microsoft.com/office/drawing/2014/main" id="{CC380711-2120-2440-A093-1B8A6AE3E5CD}"/>
+              </a:ext>
+            </a:extLst>
+          </p:cNvPr>
+          <p:cNvSpPr txBox="1"/>
+          <p:nvPr/>
+        </p:nvSpPr>
+        <p:spPr>
+          <a:xfrm>
+            <a:off x="1692393" y="3716774"/>
+            <a:ext cx="8569417" cy="369332"/>
+          </a:xfrm>
+          <a:prstGeom prst="rect">
+            <a:avLst/>
+          </a:prstGeom>
+          <a:noFill/>
+        </p:spPr>
+        <p:txBody>
+          <a:bodyPr wrap="square" rtlCol="0">
+            <a:spAutoFit/>
+          </a:bodyPr>
+          <a:lstStyle/>
+          <a:p>
+            <a:pPr marL="285750" indent="-285750">
+              <a:buFont typeface="Arial"/>
+              <a:buChar char="•"/>
+            </a:pPr>
+            <a:r>
+              <a:rPr lang="en-HK" dirty="0" smtClean="0"/>
+              <a:t>Social </a:t>
+            </a:r>
+            <a:r>
+              <a:rPr lang="en-HK" dirty="0"/>
+              <a:t>awareness </a:t>
+            </a:r>
+            <a:endParaRPr lang="en-HK" dirty="0"/>
+          </a:p>
+        </p:txBody>
+      </p:sp>
+      <p:sp>
+        <p:nvSpPr>
+          <p:cNvPr id="18" name="TextBox 17">
+            <a:extLst>
+              <a:ext uri="{FF2B5EF4-FFF2-40B4-BE49-F238E27FC236}">
+                <a16:creationId xmlns="" xmlns:a16="http://schemas.microsoft.com/office/drawing/2014/main" id="{22ADC038-3DB1-884F-9BB3-506F429BFBCA}"/>
+              </a:ext>
+            </a:extLst>
+          </p:cNvPr>
+          <p:cNvSpPr txBox="1"/>
+          <p:nvPr/>
+        </p:nvSpPr>
+        <p:spPr>
+          <a:xfrm>
+            <a:off x="1716404" y="4174306"/>
+            <a:ext cx="8646796" cy="369332"/>
+          </a:xfrm>
+          <a:prstGeom prst="rect">
+            <a:avLst/>
+          </a:prstGeom>
+          <a:noFill/>
+        </p:spPr>
+        <p:txBody>
+          <a:bodyPr wrap="square" rtlCol="0">
+            <a:spAutoFit/>
+          </a:bodyPr>
+          <a:lstStyle/>
+          <a:p>
+            <a:pPr marL="285750" indent="-285750">
+              <a:buFont typeface="Arial"/>
+              <a:buChar char="•"/>
+            </a:pPr>
+            <a:r>
+              <a:rPr lang="en-HK" dirty="0"/>
+              <a:t>S</a:t>
+            </a:r>
+            <a:r>
+              <a:rPr lang="en-HK" dirty="0" smtClean="0"/>
+              <a:t>ense </a:t>
+            </a:r>
+            <a:r>
+              <a:rPr lang="en-HK" dirty="0"/>
+              <a:t>of social responsibility </a:t>
+            </a:r>
+            <a:endParaRPr lang="en-HK" dirty="0"/>
+          </a:p>
+        </p:txBody>
+      </p:sp>
+      <p:sp>
+        <p:nvSpPr>
+          <p:cNvPr id="19" name="TextBox 18">
+            <a:extLst>
+              <a:ext uri="{FF2B5EF4-FFF2-40B4-BE49-F238E27FC236}">
+                <a16:creationId xmlns="" xmlns:a16="http://schemas.microsoft.com/office/drawing/2014/main" id="{ACCFE68D-24B3-194C-BF48-7C27278965B7}"/>
+              </a:ext>
+            </a:extLst>
+          </p:cNvPr>
+          <p:cNvSpPr txBox="1"/>
+          <p:nvPr/>
+        </p:nvSpPr>
+        <p:spPr>
+          <a:xfrm>
+            <a:off x="1773237" y="4901771"/>
+            <a:ext cx="8460207" cy="369332"/>
+          </a:xfrm>
+          <a:prstGeom prst="rect">
+            <a:avLst/>
+          </a:prstGeom>
+          <a:noFill/>
+        </p:spPr>
+        <p:txBody>
+          <a:bodyPr wrap="square" rtlCol="0">
+            <a:spAutoFit/>
+          </a:bodyPr>
+          <a:lstStyle/>
+          <a:p>
+            <a:pPr algn="ctr"/>
+            <a:r>
+              <a:rPr lang="en-US" dirty="0" smtClean="0"/>
+              <a:t>So what does it do?</a:t>
+            </a:r>
+            <a:endParaRPr lang="en-US" dirty="0"/>
+          </a:p>
+        </p:txBody>
+      </p:sp>
+    </p:spTree>
+    <p:extLst>
+      <p:ext uri="{BB962C8B-B14F-4D97-AF65-F5344CB8AC3E}">
+        <p14:creationId xmlns:p14="http://schemas.microsoft.com/office/powerpoint/2010/main" val="3369380027"/>
+      </p:ext>
+    </p:extLst>
+  </p:cSld>
+  <p:clrMapOvr>
+    <a:masterClrMapping/>
+  </p:clrMapOvr>
+  <mc:AlternateContent xmlns:mc="http://schemas.openxmlformats.org/markup-compatibility/2006" xmlns:p14="http://schemas.microsoft.com/office/powerpoint/2010/main">
+    <mc:Choice Requires="p14">
+      <p:transition p14:dur="200">
+        <p:fade/>
+      </p:transition>
+    </mc:Choice>
+    <mc:Fallback xmlns="">
+      <p:transition>
+        <p:fade/>
+      </p:transition>
+    </mc:Fallback>
+  </mc:AlternateContent>
+  <p:timing>
+    <p:tnLst>
+      <p:par>
+        <p:cTn xmlns:p14="http://schemas.microsoft.com/office/powerpoint/2010/main" id="1" dur="indefinite" restart="never" nodeType="tmRoot">
+          <p:childTnLst>
+            <p:seq concurrent="1" nextAc="seek">
+              <p:cTn id="2" dur="indefinite" nodeType="mainSeq">
+                <p:childTnLst>
+                  <p:par>
+                    <p:cTn id="3" fill="hold">
+                      <p:stCondLst>
+                        <p:cond delay="indefinite"/>
+                      </p:stCondLst>
+                      <p:childTnLst>
+                        <p:par>
+                          <p:cTn id="4" fill="hold">
+                            <p:stCondLst>
+                              <p:cond delay="0"/>
+                            </p:stCondLst>
+                            <p:childTnLst>
+                              <p:par>
+                                <p:cTn id="5" presetID="9" presetClass="entr" presetSubtype="0" fill="hold" grpId="0" nodeType="clickEffect">
+                                  <p:stCondLst>
+                                    <p:cond delay="0"/>
+                                  </p:stCondLst>
+                                  <p:childTnLst>
+                                    <p:set>
+                                      <p:cBhvr>
+                                        <p:cTn id="6" dur="1" fill="hold">
+                                          <p:stCondLst>
+                                            <p:cond delay="0"/>
+                                          </p:stCondLst>
+                                        </p:cTn>
+                                        <p:tgtEl>
+                                          <p:spTgt spid="16"/>
+                                        </p:tgtEl>
+                                        <p:attrNameLst>
+                                          <p:attrName>style.visibility</p:attrName>
+                                        </p:attrNameLst>
+                                      </p:cBhvr>
+                                      <p:to>
+                                        <p:strVal val="visible"/>
+                                      </p:to>
+                                    </p:set>
+                                    <p:animEffect transition="in" filter="dissolve">
+                                      <p:cBhvr>
+                                        <p:cTn id="7" dur="500"/>
+                                        <p:tgtEl>
+                                          <p:spTgt spid="16"/>
+                                        </p:tgtEl>
+                                      </p:cBhvr>
+                                    </p:animEffect>
+                                  </p:childTnLst>
+                                </p:cTn>
+                              </p:par>
+                            </p:childTnLst>
+                          </p:cTn>
+                        </p:par>
+                      </p:childTnLst>
+                    </p:cTn>
+                  </p:par>
+                  <p:par>
+                    <p:cTn id="8" fill="hold">
+                      <p:stCondLst>
+                        <p:cond delay="indefinite"/>
+                      </p:stCondLst>
+                      <p:childTnLst>
+                        <p:par>
+                          <p:cTn id="9" fill="hold">
+                            <p:stCondLst>
+                              <p:cond delay="0"/>
+                            </p:stCondLst>
+                            <p:childTnLst>
+                              <p:par>
+                                <p:cTn id="10" presetID="9" presetClass="entr" presetSubtype="0" fill="hold" grpId="0" nodeType="clickEffect">
+                                  <p:stCondLst>
+                                    <p:cond delay="0"/>
+                                  </p:stCondLst>
+                                  <p:childTnLst>
+                                    <p:set>
+                                      <p:cBhvr>
+                                        <p:cTn id="11" dur="1" fill="hold">
+                                          <p:stCondLst>
+                                            <p:cond delay="0"/>
+                                          </p:stCondLst>
+                                        </p:cTn>
+                                        <p:tgtEl>
+                                          <p:spTgt spid="15"/>
+                                        </p:tgtEl>
+                                        <p:attrNameLst>
+                                          <p:attrName>style.visibility</p:attrName>
+                                        </p:attrNameLst>
+                                      </p:cBhvr>
+                                      <p:to>
+                                        <p:strVal val="visible"/>
+                                      </p:to>
+                                    </p:set>
+                                    <p:animEffect transition="in" filter="dissolve">
+                                      <p:cBhvr>
+                                        <p:cTn id="12" dur="500"/>
+                                        <p:tgtEl>
+                                          <p:spTgt spid="15"/>
+                                        </p:tgtEl>
+                                      </p:cBhvr>
+                                    </p:animEffect>
+                                  </p:childTnLst>
+                                </p:cTn>
+                              </p:par>
+                            </p:childTnLst>
+                          </p:cTn>
+                        </p:par>
+                      </p:childTnLst>
+                    </p:cTn>
+                  </p:par>
+                  <p:par>
+                    <p:cTn id="13" fill="hold">
+                      <p:stCondLst>
+                        <p:cond delay="indefinite"/>
+                      </p:stCondLst>
+                      <p:childTnLst>
+                        <p:par>
+                          <p:cTn id="14" fill="hold">
+                            <p:stCondLst>
+                              <p:cond delay="0"/>
+                            </p:stCondLst>
+                            <p:childTnLst>
+                              <p:par>
+                                <p:cTn id="15" presetID="9" presetClass="entr" presetSubtype="0" fill="hold" nodeType="clickEffect">
+                                  <p:stCondLst>
+                                    <p:cond delay="0"/>
+                                  </p:stCondLst>
+                                  <p:childTnLst>
+                                    <p:set>
+                                      <p:cBhvr>
+                                        <p:cTn id="16" dur="1" fill="hold">
+                                          <p:stCondLst>
+                                            <p:cond delay="0"/>
+                                          </p:stCondLst>
+                                        </p:cTn>
+                                        <p:tgtEl>
+                                          <p:spTgt spid="17">
+                                            <p:txEl>
+                                              <p:pRg st="0" end="0"/>
+                                            </p:txEl>
+                                          </p:spTgt>
+                                        </p:tgtEl>
+                                        <p:attrNameLst>
+                                          <p:attrName>style.visibility</p:attrName>
+                                        </p:attrNameLst>
+                                      </p:cBhvr>
+                                      <p:to>
+                                        <p:strVal val="visible"/>
+                                      </p:to>
+                                    </p:set>
+                                    <p:animEffect transition="in" filter="dissolve">
+                                      <p:cBhvr>
+                                        <p:cTn id="17" dur="500"/>
+                                        <p:tgtEl>
+                                          <p:spTgt spid="17">
+                                            <p:txEl>
+                                              <p:pRg st="0" end="0"/>
+                                            </p:txEl>
+                                          </p:spTgt>
+                                        </p:tgtEl>
+                                      </p:cBhvr>
+                                    </p:animEffect>
+                                  </p:childTnLst>
+                                </p:cTn>
+                              </p:par>
+                            </p:childTnLst>
+                          </p:cTn>
+                        </p:par>
+                      </p:childTnLst>
+                    </p:cTn>
+                  </p:par>
+                  <p:par>
+                    <p:cTn id="18" fill="hold">
+                      <p:stCondLst>
+                        <p:cond delay="indefinite"/>
+                      </p:stCondLst>
+                      <p:childTnLst>
+                        <p:par>
+                          <p:cTn id="19" fill="hold">
+                            <p:stCondLst>
+                              <p:cond delay="0"/>
+                            </p:stCondLst>
+                            <p:childTnLst>
+                              <p:par>
+                                <p:cTn id="20" presetID="9" presetClass="entr" presetSubtype="0" fill="hold" nodeType="clickEffect">
+                                  <p:stCondLst>
+                                    <p:cond delay="0"/>
+                                  </p:stCondLst>
+                                  <p:childTnLst>
+                                    <p:set>
+                                      <p:cBhvr>
+                                        <p:cTn id="21" dur="1" fill="hold">
+                                          <p:stCondLst>
+                                            <p:cond delay="0"/>
+                                          </p:stCondLst>
+                                        </p:cTn>
+                                        <p:tgtEl>
+                                          <p:spTgt spid="18">
+                                            <p:txEl>
+                                              <p:pRg st="0" end="0"/>
+                                            </p:txEl>
+                                          </p:spTgt>
+                                        </p:tgtEl>
+                                        <p:attrNameLst>
+                                          <p:attrName>style.visibility</p:attrName>
+                                        </p:attrNameLst>
+                                      </p:cBhvr>
+                                      <p:to>
+                                        <p:strVal val="visible"/>
+                                      </p:to>
+                                    </p:set>
+                                    <p:animEffect transition="in" filter="dissolve">
+                                      <p:cBhvr>
+                                        <p:cTn id="22" dur="500"/>
+                                        <p:tgtEl>
+                                          <p:spTgt spid="18">
+                                            <p:txEl>
+                                              <p:pRg st="0" end="0"/>
+                                            </p:txEl>
+                                          </p:spTgt>
+                                        </p:tgtEl>
+                                      </p:cBhvr>
+                                    </p:animEffect>
+                                  </p:childTnLst>
+                                </p:cTn>
+                              </p:par>
+                            </p:childTnLst>
+                          </p:cTn>
+                        </p:par>
+                      </p:childTnLst>
+                    </p:cTn>
+                  </p:par>
+                  <p:par>
+                    <p:cTn id="23" fill="hold">
+                      <p:stCondLst>
+                        <p:cond delay="indefinite"/>
+                      </p:stCondLst>
+                      <p:childTnLst>
+                        <p:par>
+                          <p:cTn id="24" fill="hold">
+                            <p:stCondLst>
+                              <p:cond delay="0"/>
+                            </p:stCondLst>
+                            <p:childTnLst>
+                              <p:par>
+                                <p:cTn id="25" presetID="9" presetClass="entr" presetSubtype="0" fill="hold" grpId="1" nodeType="clickEffect">
+                                  <p:stCondLst>
+                                    <p:cond delay="0"/>
+                                  </p:stCondLst>
+                                  <p:childTnLst>
+                                    <p:set>
+                                      <p:cBhvr>
+                                        <p:cTn id="26" dur="1" fill="hold">
+                                          <p:stCondLst>
+                                            <p:cond delay="0"/>
+                                          </p:stCondLst>
+                                        </p:cTn>
+                                        <p:tgtEl>
+                                          <p:spTgt spid="19"/>
+                                        </p:tgtEl>
+                                        <p:attrNameLst>
+                                          <p:attrName>style.visibility</p:attrName>
+                                        </p:attrNameLst>
+                                      </p:cBhvr>
+                                      <p:to>
+                                        <p:strVal val="visible"/>
+                                      </p:to>
+                                    </p:set>
+                                    <p:animEffect transition="in" filter="dissolve">
+                                      <p:cBhvr>
+                                        <p:cTn id="27" dur="500"/>
+                                        <p:tgtEl>
+                                          <p:spTgt spid="19"/>
+                                        </p:tgtEl>
+                                      </p:cBhvr>
+                                    </p:animEffect>
+                                  </p:childTnLst>
+                                </p:cTn>
+                              </p:par>
+                            </p:childTnLst>
+                          </p:cTn>
+                        </p:par>
+                      </p:childTnLst>
+                    </p:cTn>
+                  </p:par>
+                  <p:par>
+                    <p:cTn id="28" fill="hold">
+                      <p:stCondLst>
+                        <p:cond delay="indefinite"/>
+                      </p:stCondLst>
+                      <p:childTnLst>
+                        <p:par>
+                          <p:cTn id="29" fill="hold">
+                            <p:stCondLst>
+                              <p:cond delay="0"/>
+                            </p:stCondLst>
+                            <p:childTnLst>
+                              <p:par>
+                                <p:cTn id="30" presetID="6" presetClass="emph" presetSubtype="0" fill="hold" grpId="0" nodeType="clickEffect">
+                                  <p:stCondLst>
+                                    <p:cond delay="0"/>
+                                  </p:stCondLst>
+                                  <p:childTnLst>
+                                    <p:animScale>
+                                      <p:cBhvr>
+                                        <p:cTn id="31" dur="2000" fill="hold"/>
+                                        <p:tgtEl>
+                                          <p:spTgt spid="19"/>
+                                        </p:tgtEl>
+                                      </p:cBhvr>
+                                      <p:by x="150000" y="150000"/>
+                                    </p:animScale>
+                                  </p:childTnLst>
+                                </p:cTn>
+                              </p:par>
+                            </p:childTnLst>
+                          </p:cTn>
+                        </p:par>
+                      </p:childTnLst>
+                    </p:cTn>
+                  </p:par>
+                </p:childTnLst>
+              </p:cTn>
+              <p:prevCondLst>
+                <p:cond evt="onPrev" delay="0">
+                  <p:tgtEl>
+                    <p:sldTgt/>
+                  </p:tgtEl>
+                </p:cond>
+              </p:prevCondLst>
+              <p:nextCondLst>
+                <p:cond evt="onNext" delay="0">
+                  <p:tgtEl>
+                    <p:sldTgt/>
+                  </p:tgtEl>
+                </p:cond>
+              </p:nextCondLst>
+            </p:seq>
+          </p:childTnLst>
+        </p:cTn>
+      </p:par>
+    </p:tnLst>
+    <p:bldLst>
+      <p:bldP spid="15" grpId="0"/>
+      <p:bldP spid="16" grpId="0"/>
+      <p:bldP spid="19" grpId="0"/>
+      <p:bldP spid="19" grpId="1"/>
+    </p:bldLst>
+  </p:timing>
+</p:sld>
+</file>
+
+<file path=ppt/slides/slide3.xml><?xml version="1.0" encoding="utf-8"?>
 <p:sld xmlns:a="http://schemas.openxmlformats.org/drawingml/2006/main" xmlns:r="http://schemas.openxmlformats.org/officeDocument/2006/relationships" xmlns:p="http://schemas.openxmlformats.org/presentationml/2006/main">
   <p:cSld>
     <p:bg>
@@ -5460,8 +7547,8 @@
         </p:nvSpPr>
         <p:spPr>
           <a:xfrm>
-            <a:off x="1679943" y="3110460"/>
-            <a:ext cx="8646796" cy="646331"/>
+            <a:off x="2023149" y="3619398"/>
+            <a:ext cx="8646796" cy="369332"/>
           </a:xfrm>
           <a:prstGeom prst="rect">
             <a:avLst/>
@@ -5475,9 +7562,22 @@
           <a:lstStyle/>
           <a:p>
             <a:r>
+              <a:rPr lang="en-HK" dirty="0" smtClean="0"/>
+              <a:t>- s</a:t>
+            </a:r>
+            <a:r>
+              <a:rPr lang="en-HK" dirty="0" smtClean="0"/>
+              <a:t>eeking </a:t>
+            </a:r>
+            <a:r>
               <a:rPr lang="en-HK" dirty="0"/>
-              <a:t>Would be an ideal place for seeking advice and encouragements because posts are made anonymously and inappropriate content will be filtered.</a:t>
-            </a:r>
+              <a:t>advice and </a:t>
+            </a:r>
+            <a:r>
+              <a:rPr lang="en-HK" dirty="0" smtClean="0"/>
+              <a:t>encouragements</a:t>
+            </a:r>
+            <a:endParaRPr lang="en-HK" dirty="0"/>
           </a:p>
         </p:txBody>
       </p:sp>
@@ -5495,8 +7595,8 @@
         </p:nvSpPr>
         <p:spPr>
           <a:xfrm>
-            <a:off x="1679943" y="2457708"/>
-            <a:ext cx="8646796" cy="646331"/>
+            <a:off x="1518942" y="2475813"/>
+            <a:ext cx="9151003" cy="646331"/>
           </a:xfrm>
           <a:prstGeom prst="rect">
             <a:avLst/>
@@ -5509,9 +7609,46 @@
           </a:bodyPr>
           <a:lstStyle/>
           <a:p>
-            <a:r>
-              <a:rPr lang="en-HK" dirty="0"/>
-              <a:t>An online social platform for creating anonymous confessions, appealing to injustice, and giving constructive advice to the "criminals" and the "victims".</a:t>
+            <a:pPr algn="ctr"/>
+            <a:r>
+              <a:rPr lang="en-HK" i="1" dirty="0">
+                <a:solidFill>
+                  <a:schemeClr val="tx2"/>
+                </a:solidFill>
+              </a:rPr>
+              <a:t>An online social platform for creating anonymous </a:t>
+            </a:r>
+            <a:r>
+              <a:rPr lang="en-HK" i="1" dirty="0" smtClean="0">
+                <a:solidFill>
+                  <a:schemeClr val="tx2"/>
+                </a:solidFill>
+              </a:rPr>
+              <a:t>confessions, appealing </a:t>
+            </a:r>
+            <a:r>
+              <a:rPr lang="en-HK" i="1" dirty="0">
+                <a:solidFill>
+                  <a:schemeClr val="tx2"/>
+                </a:solidFill>
+              </a:rPr>
+              <a:t>to injustice, </a:t>
+            </a:r>
+            <a:r>
+              <a:rPr lang="en-HK" i="1" dirty="0" smtClean="0">
+                <a:solidFill>
+                  <a:schemeClr val="tx2"/>
+                </a:solidFill>
+              </a:rPr>
+              <a:t>and delivering </a:t>
+            </a:r>
+            <a:r>
+              <a:rPr lang="en-HK" i="1" dirty="0">
+                <a:solidFill>
+                  <a:schemeClr val="tx2"/>
+                </a:solidFill>
+              </a:rPr>
+              <a:t>constructive advice to the "criminals" and the "victims".</a:t>
             </a:r>
           </a:p>
         </p:txBody>
@@ -5530,8 +7667,8 @@
         </p:nvSpPr>
         <p:spPr>
           <a:xfrm>
-            <a:off x="1639025" y="3744586"/>
-            <a:ext cx="8646796" cy="646331"/>
+            <a:off x="2023149" y="4009554"/>
+            <a:ext cx="8646796" cy="369332"/>
           </a:xfrm>
           <a:prstGeom prst="rect">
             <a:avLst/>
@@ -5545,9 +7682,18 @@
           <a:lstStyle/>
           <a:p>
             <a:r>
+              <a:rPr lang="en-HK" dirty="0" smtClean="0"/>
+              <a:t>- constructive </a:t>
+            </a:r>
+            <a:r>
               <a:rPr lang="en-HK" dirty="0"/>
-              <a:t>The main purpose X personal attack X public trial =&gt;to come up with constructive solutions for problems and help each other in the society. </a:t>
-            </a:r>
+              <a:t>solutions for problems and help each other in the </a:t>
+            </a:r>
+            <a:r>
+              <a:rPr lang="en-HK" dirty="0" smtClean="0"/>
+              <a:t>society </a:t>
+            </a:r>
+            <a:endParaRPr lang="en-HK" dirty="0"/>
           </a:p>
         </p:txBody>
       </p:sp>
@@ -5652,7 +7798,7 @@
         </p:nvSpPr>
         <p:spPr>
           <a:xfrm>
-            <a:off x="1716404" y="4414832"/>
+            <a:off x="1716404" y="4539353"/>
             <a:ext cx="8646796" cy="646331"/>
           </a:xfrm>
           <a:prstGeom prst="rect">
@@ -5719,6 +7865,54 @@
               <a:t>.</a:t>
             </a:r>
             <a:endParaRPr lang="en-US" dirty="0"/>
+          </a:p>
+        </p:txBody>
+      </p:sp>
+      <p:sp>
+        <p:nvSpPr>
+          <p:cNvPr id="15" name="TextBox 14">
+            <a:extLst>
+              <a:ext uri="{FF2B5EF4-FFF2-40B4-BE49-F238E27FC236}">
+                <a16:creationId xmlns="" xmlns:a16="http://schemas.microsoft.com/office/drawing/2014/main" id="{0720FD9E-AA7F-3B43-B96A-F9918A011535}"/>
+              </a:ext>
+            </a:extLst>
+          </p:cNvPr>
+          <p:cNvSpPr txBox="1"/>
+          <p:nvPr/>
+        </p:nvSpPr>
+        <p:spPr>
+          <a:xfrm>
+            <a:off x="2023149" y="3250066"/>
+            <a:ext cx="8646796" cy="369332"/>
+          </a:xfrm>
+          <a:prstGeom prst="rect">
+            <a:avLst/>
+          </a:prstGeom>
+          <a:noFill/>
+        </p:spPr>
+        <p:txBody>
+          <a:bodyPr wrap="square" rtlCol="0">
+            <a:spAutoFit/>
+          </a:bodyPr>
+          <a:lstStyle/>
+          <a:p>
+            <a:r>
+              <a:rPr lang="en-HK" dirty="0" smtClean="0"/>
+              <a:t>- </a:t>
+            </a:r>
+            <a:r>
+              <a:rPr lang="en-HK" dirty="0" smtClean="0"/>
+              <a:t>posts </a:t>
+            </a:r>
+            <a:r>
+              <a:rPr lang="en-HK" dirty="0"/>
+              <a:t>are made anonymously and inappropriate content will be </a:t>
+            </a:r>
+            <a:r>
+              <a:rPr lang="en-HK" dirty="0" smtClean="0"/>
+              <a:t>filtered</a:t>
+            </a:r>
+            <a:endParaRPr lang="en-HK" dirty="0"/>
           </a:p>
         </p:txBody>
       </p:sp>
@@ -5831,7 +8025,7 @@
                                           </p:stCondLst>
                                         </p:cTn>
                                         <p:tgtEl>
-                                          <p:spTgt spid="8"/>
+                                          <p:spTgt spid="15"/>
                                         </p:tgtEl>
                                         <p:attrNameLst>
                                           <p:attrName>style.visibility</p:attrName>
@@ -5845,7 +8039,7 @@
                                       <p:cBhvr>
                                         <p:cTn id="12" dur="500"/>
                                         <p:tgtEl>
-                                          <p:spTgt spid="8"/>
+                                          <p:spTgt spid="15"/>
                                         </p:tgtEl>
                                       </p:cBhvr>
                                     </p:animEffect>
@@ -5871,7 +8065,7 @@
                             </p:stCondLst>
                             <p:childTnLst>
                               <p:par>
-                                <p:cTn id="15" presetID="9" presetClass="entr" presetSubtype="0" fill="hold" nodeType="clickEffect">
+                                <p:cTn id="15" presetID="9" presetClass="entr" presetSubtype="0" fill="hold" grpId="0" nodeType="clickEffect">
                                   <p:stCondLst>
                                     <p:cond delay="0"/>
                                   </p:stCondLst>
@@ -5884,11 +8078,7 @@
                                           </p:stCondLst>
                                         </p:cTn>
                                         <p:tgtEl>
-                                          <p:spTgt spid="11">
-                                            <p:txEl>
-                                              <p:pRg st="0" end="0"/>
-                                            </p:txEl>
-                                          </p:spTgt>
+                                          <p:spTgt spid="8"/>
                                         </p:tgtEl>
                                         <p:attrNameLst>
                                           <p:attrName>style.visibility</p:attrName>
@@ -5902,11 +8092,7 @@
                                       <p:cBhvr>
                                         <p:cTn id="17" dur="500"/>
                                         <p:tgtEl>
-                                          <p:spTgt spid="11">
-                                            <p:txEl>
-                                              <p:pRg st="0" end="0"/>
-                                            </p:txEl>
-                                          </p:spTgt>
+                                          <p:spTgt spid="8"/>
                                         </p:tgtEl>
                                       </p:cBhvr>
                                     </p:animEffect>
@@ -5945,7 +8131,7 @@
                                           </p:stCondLst>
                                         </p:cTn>
                                         <p:tgtEl>
-                                          <p:spTgt spid="14">
+                                          <p:spTgt spid="11">
                                             <p:txEl>
                                               <p:pRg st="0" end="0"/>
                                             </p:txEl>
@@ -5963,7 +8149,7 @@
                                       <p:cBhvr>
                                         <p:cTn id="22" dur="500"/>
                                         <p:tgtEl>
-                                          <p:spTgt spid="14">
+                                          <p:spTgt spid="11">
                                             <p:txEl>
                                               <p:pRg st="0" end="0"/>
                                             </p:txEl>
@@ -6008,7 +8194,7 @@
                                         <p:tgtEl>
                                           <p:spTgt spid="14">
                                             <p:txEl>
-                                              <p:pRg st="1" end="1"/>
+                                              <p:pRg st="0" end="0"/>
                                             </p:txEl>
                                           </p:spTgt>
                                         </p:tgtEl>
@@ -6026,7 +8212,7 @@
                                         <p:tgtEl>
                                           <p:spTgt spid="14">
                                             <p:txEl>
-                                              <p:pRg st="1" end="1"/>
+                                              <p:pRg st="0" end="0"/>
                                             </p:txEl>
                                           </p:spTgt>
                                         </p:tgtEl>
@@ -6054,7 +8240,7 @@
                             </p:stCondLst>
                             <p:childTnLst>
                               <p:par>
-                                <p:cTn id="30" presetID="9" presetClass="entr" presetSubtype="0" fill="hold" grpId="1" nodeType="clickEffect">
+                                <p:cTn id="30" presetID="9" presetClass="entr" presetSubtype="0" fill="hold" nodeType="clickEffect">
                                   <p:stCondLst>
                                     <p:cond delay="0"/>
                                   </p:stCondLst>
@@ -6067,7 +8253,11 @@
                                           </p:stCondLst>
                                         </p:cTn>
                                         <p:tgtEl>
-                                          <p:spTgt spid="2"/>
+                                          <p:spTgt spid="14">
+                                            <p:txEl>
+                                              <p:pRg st="1" end="1"/>
+                                            </p:txEl>
+                                          </p:spTgt>
                                         </p:tgtEl>
                                         <p:attrNameLst>
                                           <p:attrName>style.visibility</p:attrName>
@@ -6081,7 +8271,11 @@
                                       <p:cBhvr>
                                         <p:cTn id="32" dur="500"/>
                                         <p:tgtEl>
-                                          <p:spTgt spid="2"/>
+                                          <p:spTgt spid="14">
+                                            <p:txEl>
+                                              <p:pRg st="1" end="1"/>
+                                            </p:txEl>
+                                          </p:spTgt>
                                         </p:tgtEl>
                                       </p:cBhvr>
                                     </p:animEffect>
@@ -6107,14 +8301,67 @@
                             </p:stCondLst>
                             <p:childTnLst>
                               <p:par>
-                                <p:cTn id="35" presetID="6" presetClass="emph" presetSubtype="0" fill="hold" grpId="0" nodeType="clickEffect">
+                                <p:cTn id="35" presetID="9" presetClass="entr" presetSubtype="0" fill="hold" grpId="1" nodeType="clickEffect">
+                                  <p:stCondLst>
+                                    <p:cond delay="0"/>
+                                  </p:stCondLst>
+                                  <p:childTnLst>
+                                    <p:set>
+                                      <p:cBhvr>
+                                        <p:cTn id="36" dur="1" fill="hold">
+                                          <p:stCondLst>
+                                            <p:cond delay="0"/>
+                                          </p:stCondLst>
+                                        </p:cTn>
+                                        <p:tgtEl>
+                                          <p:spTgt spid="2"/>
+                                        </p:tgtEl>
+                                        <p:attrNameLst>
+                                          <p:attrName>style.visibility</p:attrName>
+                                        </p:attrNameLst>
+                                      </p:cBhvr>
+                                      <p:to>
+                                        <p:strVal val="visible"/>
+                                      </p:to>
+                                    </p:set>
+                                    <p:animEffect transition="in" filter="dissolve">
+                                      <p:cBhvr>
+                                        <p:cTn id="37" dur="500"/>
+                                        <p:tgtEl>
+                                          <p:spTgt spid="2"/>
+                                        </p:tgtEl>
+                                      </p:cBhvr>
+                                    </p:animEffect>
+                                  </p:childTnLst>
+                                </p:cTn>
+                              </p:par>
+                            </p:childTnLst>
+                          </p:cTn>
+                        </p:par>
+                      </p:childTnLst>
+                    </p:cTn>
+                  </p:par>
+                  <p:par>
+                    <p:cTn id="38" fill="hold">
+                      <p:stCondLst>
+                        <p:cond delay="indefinite"/>
+                      </p:stCondLst>
+                      <p:childTnLst>
+                        <p:par>
+                          <p:cTn id="39" fill="hold">
+                            <p:stCondLst>
+                              <p:cond delay="0"/>
+                            </p:stCondLst>
+                            <p:childTnLst>
+                              <p:par>
+                                <p:cTn id="40" presetID="6" presetClass="emph" presetSubtype="0" fill="hold" grpId="0" nodeType="clickEffect">
                                   <p:stCondLst>
                                     <p:cond delay="0"/>
                                   </p:stCondLst>
                                   <p:childTnLst>
                                     <p:animScale>
                                       <p:cBhvr>
-                                        <p:cTn id="36" dur="2000" fill="hold"/>
+                                        <p:cTn id="41" dur="2000" fill="hold"/>
                                         <p:tgtEl>
                                           <p:spTgt spid="2"/>
                                         </p:tgtEl>
@@ -6156,12 +8403,325 @@
       <p:bldP spid="10" grpId="0"/>
       <p:bldP spid="2" grpId="0"/>
       <p:bldP spid="2" grpId="1"/>
+      <p:bldP spid="15" grpId="0"/>
     </p:bldLst>
   </p:timing>
 </p:sld>
 </file>
 
-<file path=ppt/slides/slide3.xml><?xml version="1.0" encoding="utf-8"?>
+<file path=ppt/slides/slide4.xml><?xml version="1.0" encoding="utf-8"?>
+<p:sld xmlns:a="http://schemas.openxmlformats.org/drawingml/2006/main" xmlns:r="http://schemas.openxmlformats.org/officeDocument/2006/relationships" xmlns:p="http://schemas.openxmlformats.org/presentationml/2006/main">
+  <p:cSld>
+    <p:spTree>
+      <p:nvGrpSpPr>
+        <p:cNvPr id="1" name=""/>
+        <p:cNvGrpSpPr/>
+        <p:nvPr/>
+      </p:nvGrpSpPr>
+      <p:grpSpPr>
+        <a:xfrm>
+          <a:off x="0" y="0"/>
+          <a:ext cx="0" cy="0"/>
+          <a:chOff x="0" y="0"/>
+          <a:chExt cx="0" cy="0"/>
+        </a:xfrm>
+      </p:grpSpPr>
+      <p:sp>
+        <p:nvSpPr>
+          <p:cNvPr id="4" name="TextBox 3">
+            <a:extLst>
+              <a:ext uri="{FF2B5EF4-FFF2-40B4-BE49-F238E27FC236}">
+                <a16:creationId xmlns="" xmlns:a16="http://schemas.microsoft.com/office/drawing/2014/main" id="{BEDDE5A4-D7FC-344D-BC76-6258F3ED8C74}"/>
+              </a:ext>
+            </a:extLst>
+          </p:cNvPr>
+          <p:cNvSpPr txBox="1"/>
+          <p:nvPr/>
+        </p:nvSpPr>
+        <p:spPr>
+          <a:xfrm>
+            <a:off x="4719218" y="1944292"/>
+            <a:ext cx="3078051" cy="584776"/>
+          </a:xfrm>
+          <a:prstGeom prst="rect">
+            <a:avLst/>
+          </a:prstGeom>
+          <a:noFill/>
+        </p:spPr>
+        <p:txBody>
+          <a:bodyPr wrap="square" rtlCol="0">
+            <a:spAutoFit/>
+          </a:bodyPr>
+          <a:lstStyle/>
+          <a:p>
+            <a:r>
+              <a:rPr lang="en-HK" sz="3200" b="1" dirty="0" smtClean="0"/>
+              <a:t>Competitors</a:t>
+            </a:r>
+            <a:endParaRPr lang="en-HK" sz="3200" dirty="0"/>
+          </a:p>
+        </p:txBody>
+      </p:sp>
+      <p:sp>
+        <p:nvSpPr>
+          <p:cNvPr id="12" name="TextBox 11">
+            <a:extLst>
+              <a:ext uri="{FF2B5EF4-FFF2-40B4-BE49-F238E27FC236}">
+                <a16:creationId xmlns="" xmlns:a16="http://schemas.microsoft.com/office/drawing/2014/main" id="{B7388996-C956-1F48-B45C-88FEC6D27737}"/>
+              </a:ext>
+            </a:extLst>
+          </p:cNvPr>
+          <p:cNvSpPr txBox="1"/>
+          <p:nvPr/>
+        </p:nvSpPr>
+        <p:spPr>
+          <a:xfrm>
+            <a:off x="3677600" y="6004558"/>
+            <a:ext cx="4797327" cy="400110"/>
+          </a:xfrm>
+          <a:prstGeom prst="rect">
+            <a:avLst/>
+          </a:prstGeom>
+          <a:noFill/>
+        </p:spPr>
+        <p:txBody>
+          <a:bodyPr wrap="square" rtlCol="0">
+            <a:spAutoFit/>
+          </a:bodyPr>
+          <a:lstStyle/>
+          <a:p>
+            <a:r>
+              <a:rPr lang="en-HK" sz="2000" b="1" i="1" dirty="0">
+                <a:solidFill>
+                  <a:schemeClr val="bg1"/>
+                </a:solidFill>
+              </a:rPr>
+              <a:t>You don’t need a tree hole anymore</a:t>
+            </a:r>
+          </a:p>
+        </p:txBody>
+      </p:sp>
+      <p:sp>
+        <p:nvSpPr>
+          <p:cNvPr id="13" name="TextBox 12">
+            <a:extLst>
+              <a:ext uri="{FF2B5EF4-FFF2-40B4-BE49-F238E27FC236}">
+                <a16:creationId xmlns="" xmlns:a16="http://schemas.microsoft.com/office/drawing/2014/main" id="{72BE1CF8-E002-1D47-B6BF-5E54B02EF44A}"/>
+              </a:ext>
+            </a:extLst>
+          </p:cNvPr>
+          <p:cNvSpPr txBox="1"/>
+          <p:nvPr/>
+        </p:nvSpPr>
+        <p:spPr>
+          <a:xfrm>
+            <a:off x="3984284" y="281647"/>
+            <a:ext cx="4074443" cy="584776"/>
+          </a:xfrm>
+          <a:prstGeom prst="rect">
+            <a:avLst/>
+          </a:prstGeom>
+          <a:noFill/>
+        </p:spPr>
+        <p:txBody>
+          <a:bodyPr wrap="square" rtlCol="0">
+            <a:spAutoFit/>
+          </a:bodyPr>
+          <a:lstStyle/>
+          <a:p>
+            <a:r>
+              <a:rPr lang="en-US" sz="3200" b="1" dirty="0" smtClean="0">
+                <a:solidFill>
+                  <a:schemeClr val="accent2">
+                    <a:lumMod val="75000"/>
+                  </a:schemeClr>
+                </a:solidFill>
+              </a:rPr>
+              <a:t>“DISCREETLY OPEN”</a:t>
+            </a:r>
+            <a:endParaRPr lang="en-US" sz="3200" b="1" dirty="0">
+              <a:solidFill>
+                <a:schemeClr val="accent2">
+                  <a:lumMod val="75000"/>
+                </a:schemeClr>
+              </a:solidFill>
+            </a:endParaRPr>
+          </a:p>
+        </p:txBody>
+      </p:sp>
+      <p:sp>
+        <p:nvSpPr>
+          <p:cNvPr id="3" name="TextBox 2"/>
+          <p:cNvSpPr txBox="1"/>
+          <p:nvPr/>
+        </p:nvSpPr>
+        <p:spPr>
+          <a:xfrm>
+            <a:off x="1904903" y="2714560"/>
+            <a:ext cx="8366630" cy="1477328"/>
+          </a:xfrm>
+          <a:prstGeom prst="rect">
+            <a:avLst/>
+          </a:prstGeom>
+          <a:noFill/>
+        </p:spPr>
+        <p:txBody>
+          <a:bodyPr wrap="square" rtlCol="0">
+            <a:spAutoFit/>
+          </a:bodyPr>
+          <a:lstStyle/>
+          <a:p>
+            <a:pPr marL="285750" indent="-285750">
+              <a:buFont typeface="Arial"/>
+              <a:buChar char="•"/>
+            </a:pPr>
+            <a:r>
+              <a:rPr lang="en-US" dirty="0" err="1" smtClean="0"/>
+              <a:t>Reddit</a:t>
+            </a:r>
+            <a:endParaRPr lang="en-US" dirty="0" smtClean="0"/>
+          </a:p>
+          <a:p>
+            <a:pPr marL="285750" indent="-285750">
+              <a:buFont typeface="Arial"/>
+              <a:buChar char="•"/>
+            </a:pPr>
+            <a:endParaRPr lang="en-US" dirty="0"/>
+          </a:p>
+          <a:p>
+            <a:pPr marL="285750" indent="-285750">
+              <a:buFont typeface="Arial"/>
+              <a:buChar char="•"/>
+            </a:pPr>
+            <a:r>
+              <a:rPr lang="en-US" dirty="0" smtClean="0"/>
+              <a:t>Facebook Groups</a:t>
+            </a:r>
+          </a:p>
+          <a:p>
+            <a:pPr marL="285750" indent="-285750">
+              <a:buFont typeface="Arial"/>
+              <a:buChar char="•"/>
+            </a:pPr>
+            <a:endParaRPr lang="en-US" dirty="0"/>
+          </a:p>
+          <a:p>
+            <a:pPr marL="285750" indent="-285750">
+              <a:buFont typeface="Arial"/>
+              <a:buChar char="•"/>
+            </a:pPr>
+            <a:r>
+              <a:rPr lang="en-US" dirty="0" smtClean="0"/>
+              <a:t>Forums</a:t>
+            </a:r>
+          </a:p>
+        </p:txBody>
+      </p:sp>
+      <p:pic>
+        <p:nvPicPr>
+          <p:cNvPr id="5" name="Picture 4"/>
+          <p:cNvPicPr>
+            <a:picLocks noChangeAspect="1"/>
+          </p:cNvPicPr>
+          <p:nvPr/>
+        </p:nvPicPr>
+        <p:blipFill>
+          <a:blip r:embed="rId3"/>
+          <a:stretch>
+            <a:fillRect/>
+          </a:stretch>
+        </p:blipFill>
+        <p:spPr>
+          <a:xfrm>
+            <a:off x="7797269" y="1963106"/>
+            <a:ext cx="1660458" cy="1660458"/>
+          </a:xfrm>
+          <a:prstGeom prst="rect">
+            <a:avLst/>
+          </a:prstGeom>
+        </p:spPr>
+      </p:pic>
+      <p:pic>
+        <p:nvPicPr>
+          <p:cNvPr id="7" name="Picture 6"/>
+          <p:cNvPicPr>
+            <a:picLocks noChangeAspect="1"/>
+          </p:cNvPicPr>
+          <p:nvPr/>
+        </p:nvPicPr>
+        <p:blipFill>
+          <a:blip r:embed="rId4"/>
+          <a:stretch>
+            <a:fillRect/>
+          </a:stretch>
+        </p:blipFill>
+        <p:spPr>
+          <a:xfrm>
+            <a:off x="5067289" y="2714560"/>
+            <a:ext cx="1679220" cy="1679220"/>
+          </a:xfrm>
+          <a:prstGeom prst="rect">
+            <a:avLst/>
+          </a:prstGeom>
+        </p:spPr>
+      </p:pic>
+      <p:pic>
+        <p:nvPicPr>
+          <p:cNvPr id="9" name="Picture 8"/>
+          <p:cNvPicPr>
+            <a:picLocks noChangeAspect="1"/>
+          </p:cNvPicPr>
+          <p:nvPr/>
+        </p:nvPicPr>
+        <p:blipFill>
+          <a:blip r:embed="rId5"/>
+          <a:stretch>
+            <a:fillRect/>
+          </a:stretch>
+        </p:blipFill>
+        <p:spPr>
+          <a:xfrm>
+            <a:off x="6972193" y="3985979"/>
+            <a:ext cx="3615016" cy="1321619"/>
+          </a:xfrm>
+          <a:prstGeom prst="rect">
+            <a:avLst/>
+          </a:prstGeom>
+        </p:spPr>
+      </p:pic>
+    </p:spTree>
+    <p:extLst>
+      <p:ext uri="{BB962C8B-B14F-4D97-AF65-F5344CB8AC3E}">
+        <p14:creationId xmlns:p14="http://schemas.microsoft.com/office/powerpoint/2010/main" val="2776419036"/>
+      </p:ext>
+    </p:extLst>
+  </p:cSld>
+  <p:clrMapOvr>
+    <a:masterClrMapping/>
+  </p:clrMapOvr>
+  <mc:AlternateContent xmlns:mc="http://schemas.openxmlformats.org/markup-compatibility/2006" xmlns:p14="http://schemas.microsoft.com/office/powerpoint/2010/main">
+    <mc:Choice Requires="p14">
+      <p:transition p14:dur="200">
+        <p:fade/>
+      </p:transition>
+    </mc:Choice>
+    <mc:Fallback xmlns="">
+      <p:transition>
+        <p:fade/>
+      </p:transition>
+    </mc:Fallback>
+  </mc:AlternateContent>
+  <p:timing>
+    <p:tnLst>
+      <p:par>
+        <p:cTn xmlns:p14="http://schemas.microsoft.com/office/powerpoint/2010/main" id="1" dur="indefinite" restart="never" nodeType="tmRoot"/>
+      </p:par>
+    </p:tnLst>
+  </p:timing>
+</p:sld>
+</file>
+
+<file path=ppt/slides/slide5.xml><?xml version="1.0" encoding="utf-8"?>
 <p:sld xmlns:a="http://schemas.openxmlformats.org/drawingml/2006/main" xmlns:r="http://schemas.openxmlformats.org/officeDocument/2006/relationships" xmlns:p="http://schemas.openxmlformats.org/presentationml/2006/main">
   <p:cSld>
     <p:bg>
@@ -7075,7 +9635,7 @@
 </p:sld>
 </file>
 
-<file path=ppt/slides/slide4.xml><?xml version="1.0" encoding="utf-8"?>
+<file path=ppt/slides/slide6.xml><?xml version="1.0" encoding="utf-8"?>
 <p:sld xmlns:a="http://schemas.openxmlformats.org/drawingml/2006/main" xmlns:r="http://schemas.openxmlformats.org/officeDocument/2006/relationships" xmlns:p="http://schemas.openxmlformats.org/presentationml/2006/main">
   <p:cSld>
     <p:bg>
@@ -7323,7 +9883,7 @@
           <p:nvPr/>
         </p:nvPicPr>
         <p:blipFill>
-          <a:blip r:embed="rId2"/>
+          <a:blip r:embed="rId3"/>
           <a:stretch>
             <a:fillRect/>
           </a:stretch>
@@ -7572,7 +10132,7 @@
 </p:sld>
 </file>
 
-<file path=ppt/slides/slide5.xml><?xml version="1.0" encoding="utf-8"?>
+<file path=ppt/slides/slide7.xml><?xml version="1.0" encoding="utf-8"?>
 <p:sld xmlns:a="http://schemas.openxmlformats.org/drawingml/2006/main" xmlns:r="http://schemas.openxmlformats.org/officeDocument/2006/relationships" xmlns:p="http://schemas.openxmlformats.org/presentationml/2006/main">
   <p:cSld>
     <p:bg>
@@ -7889,7 +10449,7 @@
 </p:sld>
 </file>
 
-<file path=ppt/slides/slide6.xml><?xml version="1.0" encoding="utf-8"?>
+<file path=ppt/slides/slide8.xml><?xml version="1.0" encoding="utf-8"?>
 <p:sld xmlns:a="http://schemas.openxmlformats.org/drawingml/2006/main" xmlns:r="http://schemas.openxmlformats.org/officeDocument/2006/relationships" xmlns:p="http://schemas.openxmlformats.org/presentationml/2006/main">
   <p:cSld>
     <p:bg>
@@ -8378,7 +10938,7 @@
 </p:sld>
 </file>
 
-<file path=ppt/slides/slide7.xml><?xml version="1.0" encoding="utf-8"?>
+<file path=ppt/slides/slide9.xml><?xml version="1.0" encoding="utf-8"?>
 <p:sld xmlns:a="http://schemas.openxmlformats.org/drawingml/2006/main" xmlns:r="http://schemas.openxmlformats.org/officeDocument/2006/relationships" xmlns:p="http://schemas.openxmlformats.org/presentationml/2006/main">
   <p:cSld>
     <p:spTree>
@@ -8446,7 +11006,7 @@
           <p:nvPr>
             <p:extLst>
               <p:ext uri="{D42A27DB-BD31-4B8C-83A1-F6EECF244321}">
-                <p14:modId xmlns:p14="http://schemas.microsoft.com/office/powerpoint/2010/main" val="3922119972"/>
+                <p14:modId xmlns:p14="http://schemas.microsoft.com/office/powerpoint/2010/main" val="1695553050"/>
               </p:ext>
             </p:extLst>
           </p:nvPr>
@@ -8499,8 +11059,17 @@
                           <a:ea typeface="+mn-ea"/>
                           <a:cs typeface="+mn-cs"/>
                         </a:rPr>
-                        <a:t>Vote</a:t>
+                        <a:t>Vote (similar to like/dislike)</a:t>
                       </a:r>
+                      <a:endParaRPr lang="en-HK" sz="1800" b="1" kern="1200" dirty="0" smtClean="0">
+                        <a:solidFill>
+                          <a:schemeClr val="lt1"/>
+                        </a:solidFill>
+                        <a:effectLst/>
+                        <a:latin typeface="+mn-lt"/>
+                        <a:ea typeface="+mn-ea"/>
+                        <a:cs typeface="+mn-cs"/>
+                      </a:endParaRPr>
                     </a:p>
                     <a:p>
                       <a:pPr algn="ctr"/>
@@ -8564,6 +11133,30 @@
                     </a:p>
                     <a:p>
                       <a:pPr algn="ctr"/>
+                      <a:r>
+                        <a:rPr lang="en-HK" sz="1800" b="1" kern="1200" dirty="0" smtClean="0">
+                          <a:solidFill>
+                            <a:schemeClr val="lt1"/>
+                          </a:solidFill>
+                          <a:effectLst/>
+                          <a:latin typeface="+mn-lt"/>
+                          <a:ea typeface="+mn-ea"/>
+                          <a:cs typeface="+mn-cs"/>
+                        </a:rPr>
+                        <a:t>Other</a:t>
+                      </a:r>
+                      <a:r>
+                        <a:rPr lang="en-HK" sz="1800" b="1" kern="1200" baseline="0" dirty="0" smtClean="0">
+                          <a:solidFill>
+                            <a:schemeClr val="lt1"/>
+                          </a:solidFill>
+                          <a:effectLst/>
+                          <a:latin typeface="+mn-lt"/>
+                          <a:ea typeface="+mn-ea"/>
+                          <a:cs typeface="+mn-cs"/>
+                        </a:rPr>
+                        <a:t> Languages</a:t>
+                      </a:r>
                       <a:endParaRPr lang="en-HK" sz="1800" b="1" kern="1200" dirty="0" smtClean="0">
                         <a:solidFill>
                           <a:schemeClr val="lt1"/>
@@ -8711,516 +11304,6 @@
   <mc:AlternateContent xmlns:mc="http://schemas.openxmlformats.org/markup-compatibility/2006" xmlns:p14="http://schemas.microsoft.com/office/powerpoint/2010/main">
     <mc:Choice Requires="p14">
       <p:transition p14:dur="100">
-        <p:fade/>
-      </p:transition>
-    </mc:Choice>
-    <mc:Fallback xmlns="">
-      <p:transition>
-        <p:fade/>
-      </p:transition>
-    </mc:Fallback>
-  </mc:AlternateContent>
-  <p:timing>
-    <p:tnLst>
-      <p:par>
-        <p:cTn xmlns:p14="http://schemas.microsoft.com/office/powerpoint/2010/main" id="1" dur="indefinite" restart="never" nodeType="tmRoot"/>
-      </p:par>
-    </p:tnLst>
-  </p:timing>
-</p:sld>
-</file>
-
-<file path=ppt/slides/slide8.xml><?xml version="1.0" encoding="utf-8"?>
-<p:sld xmlns:a="http://schemas.openxmlformats.org/drawingml/2006/main" xmlns:r="http://schemas.openxmlformats.org/officeDocument/2006/relationships" xmlns:p="http://schemas.openxmlformats.org/presentationml/2006/main">
-  <p:cSld>
-    <p:bg>
-      <p:bgPr>
-        <a:gradFill rotWithShape="1">
-          <a:gsLst>
-            <a:gs pos="0">
-              <a:schemeClr val="bg2">
-                <a:tint val="90000"/>
-                <a:shade val="92000"/>
-                <a:satMod val="160000"/>
-                <a:alpha val="37000"/>
-              </a:schemeClr>
-            </a:gs>
-            <a:gs pos="77000">
-              <a:schemeClr val="bg2">
-                <a:tint val="100000"/>
-                <a:shade val="73000"/>
-                <a:satMod val="155000"/>
-                <a:alpha val="73000"/>
-              </a:schemeClr>
-            </a:gs>
-            <a:gs pos="100000">
-              <a:schemeClr val="bg2">
-                <a:tint val="100000"/>
-                <a:shade val="67000"/>
-                <a:satMod val="145000"/>
-              </a:schemeClr>
-            </a:gs>
-          </a:gsLst>
-          <a:lin ang="5400000" scaled="0"/>
-        </a:gradFill>
-        <a:effectLst/>
-      </p:bgPr>
-    </p:bg>
-    <p:spTree>
-      <p:nvGrpSpPr>
-        <p:cNvPr id="1" name=""/>
-        <p:cNvGrpSpPr/>
-        <p:nvPr/>
-      </p:nvGrpSpPr>
-      <p:grpSpPr>
-        <a:xfrm>
-          <a:off x="0" y="0"/>
-          <a:ext cx="0" cy="0"/>
-          <a:chOff x="0" y="0"/>
-          <a:chExt cx="0" cy="0"/>
-        </a:xfrm>
-      </p:grpSpPr>
-      <p:sp>
-        <p:nvSpPr>
-          <p:cNvPr id="4" name="TextBox 3">
-            <a:extLst>
-              <a:ext uri="{FF2B5EF4-FFF2-40B4-BE49-F238E27FC236}">
-                <a16:creationId xmlns="" xmlns:a16="http://schemas.microsoft.com/office/drawing/2014/main" id="{BEDDE5A4-D7FC-344D-BC76-6258F3ED8C74}"/>
-              </a:ext>
-            </a:extLst>
-          </p:cNvPr>
-          <p:cNvSpPr txBox="1"/>
-          <p:nvPr/>
-        </p:nvSpPr>
-        <p:spPr>
-          <a:xfrm>
-            <a:off x="1861184" y="2000667"/>
-            <a:ext cx="8357236" cy="3108543"/>
-          </a:xfrm>
-          <a:prstGeom prst="rect">
-            <a:avLst/>
-          </a:prstGeom>
-          <a:noFill/>
-        </p:spPr>
-        <p:txBody>
-          <a:bodyPr wrap="square" rtlCol="0">
-            <a:spAutoFit/>
-          </a:bodyPr>
-          <a:lstStyle/>
-          <a:p>
-            <a:pPr algn="ctr"/>
-            <a:r>
-              <a:rPr lang="en-HK" sz="2800" b="1" dirty="0"/>
-              <a:t>You don’t need a tree hole anymore.</a:t>
-            </a:r>
-          </a:p>
-          <a:p>
-            <a:pPr algn="ctr"/>
-            <a:endParaRPr lang="en-US" sz="2800" dirty="0"/>
-          </a:p>
-          <a:p>
-            <a:pPr algn="ctr"/>
-            <a:r>
-              <a:rPr lang="en-HK" sz="2800" dirty="0"/>
-              <a:t>Let’s share the sorrow and advice </a:t>
-            </a:r>
-          </a:p>
-          <a:p>
-            <a:pPr algn="ctr"/>
-            <a:endParaRPr lang="en-HK" sz="2800" dirty="0"/>
-          </a:p>
-          <a:p>
-            <a:pPr algn="ctr"/>
-            <a:r>
-              <a:rPr lang="en-HK" sz="2800" dirty="0"/>
-              <a:t>To make the world better!</a:t>
-            </a:r>
-          </a:p>
-          <a:p>
-            <a:pPr algn="ctr"/>
-            <a:endParaRPr lang="en-HK" sz="2800" dirty="0"/>
-          </a:p>
-          <a:p>
-            <a:pPr algn="ctr"/>
-            <a:r>
-              <a:rPr lang="en-HK" sz="2800" dirty="0"/>
-              <a:t>Thank you !</a:t>
-            </a:r>
-          </a:p>
-        </p:txBody>
-      </p:sp>
-      <p:sp>
-        <p:nvSpPr>
-          <p:cNvPr id="7" name="TextBox 6">
-            <a:extLst>
-              <a:ext uri="{FF2B5EF4-FFF2-40B4-BE49-F238E27FC236}">
-                <a16:creationId xmlns="" xmlns:a16="http://schemas.microsoft.com/office/drawing/2014/main" id="{71A037D3-4D20-7344-8551-8DFD13133AC2}"/>
-              </a:ext>
-            </a:extLst>
-          </p:cNvPr>
-          <p:cNvSpPr txBox="1"/>
-          <p:nvPr/>
-        </p:nvSpPr>
-        <p:spPr>
-          <a:xfrm>
-            <a:off x="3677600" y="6004558"/>
-            <a:ext cx="4797327" cy="400110"/>
-          </a:xfrm>
-          <a:prstGeom prst="rect">
-            <a:avLst/>
-          </a:prstGeom>
-          <a:noFill/>
-        </p:spPr>
-        <p:txBody>
-          <a:bodyPr wrap="square" rtlCol="0">
-            <a:spAutoFit/>
-          </a:bodyPr>
-          <a:lstStyle/>
-          <a:p>
-            <a:r>
-              <a:rPr lang="en-HK" sz="2000" b="1" i="1" dirty="0">
-                <a:solidFill>
-                  <a:schemeClr val="bg1"/>
-                </a:solidFill>
-              </a:rPr>
-              <a:t>You don’t need a tree hole anymore</a:t>
-            </a:r>
-          </a:p>
-        </p:txBody>
-      </p:sp>
-      <p:sp>
-        <p:nvSpPr>
-          <p:cNvPr id="5" name="TextBox 4">
-            <a:extLst>
-              <a:ext uri="{FF2B5EF4-FFF2-40B4-BE49-F238E27FC236}">
-                <a16:creationId xmlns="" xmlns:a16="http://schemas.microsoft.com/office/drawing/2014/main" id="{72BE1CF8-E002-1D47-B6BF-5E54B02EF44A}"/>
-              </a:ext>
-            </a:extLst>
-          </p:cNvPr>
-          <p:cNvSpPr txBox="1"/>
-          <p:nvPr/>
-        </p:nvSpPr>
-        <p:spPr>
-          <a:xfrm>
-            <a:off x="3984284" y="281647"/>
-            <a:ext cx="4074443" cy="584776"/>
-          </a:xfrm>
-          <a:prstGeom prst="rect">
-            <a:avLst/>
-          </a:prstGeom>
-          <a:noFill/>
-        </p:spPr>
-        <p:txBody>
-          <a:bodyPr wrap="square" rtlCol="0">
-            <a:spAutoFit/>
-          </a:bodyPr>
-          <a:lstStyle/>
-          <a:p>
-            <a:r>
-              <a:rPr lang="en-US" sz="3200" b="1" dirty="0" smtClean="0">
-                <a:solidFill>
-                  <a:schemeClr val="accent2">
-                    <a:lumMod val="75000"/>
-                  </a:schemeClr>
-                </a:solidFill>
-              </a:rPr>
-              <a:t>“DISCREETLY OPEN”</a:t>
-            </a:r>
-            <a:endParaRPr lang="en-US" sz="3200" b="1" dirty="0">
-              <a:solidFill>
-                <a:schemeClr val="accent2">
-                  <a:lumMod val="75000"/>
-                </a:schemeClr>
-              </a:solidFill>
-            </a:endParaRPr>
-          </a:p>
-        </p:txBody>
-      </p:sp>
-      <p:pic>
-        <p:nvPicPr>
-          <p:cNvPr id="6" name="Picture 5">
-            <a:extLst>
-              <a:ext uri="{FF2B5EF4-FFF2-40B4-BE49-F238E27FC236}">
-                <a16:creationId xmlns:a16="http://schemas.microsoft.com/office/drawing/2014/main" xmlns="" id="{625FD4FF-2810-9545-9073-2063216A61BE}"/>
-              </a:ext>
-            </a:extLst>
-          </p:cNvPr>
-          <p:cNvPicPr>
-            <a:picLocks noChangeAspect="1"/>
-          </p:cNvPicPr>
-          <p:nvPr/>
-        </p:nvPicPr>
-        <p:blipFill>
-          <a:blip r:embed="rId2"/>
-          <a:stretch>
-            <a:fillRect/>
-          </a:stretch>
-        </p:blipFill>
-        <p:spPr>
-          <a:xfrm>
-            <a:off x="8656703" y="3284340"/>
-            <a:ext cx="2082800" cy="2146300"/>
-          </a:xfrm>
-          <a:prstGeom prst="rect">
-            <a:avLst/>
-          </a:prstGeom>
-        </p:spPr>
-      </p:pic>
-    </p:spTree>
-    <p:extLst>
-      <p:ext uri="{BB962C8B-B14F-4D97-AF65-F5344CB8AC3E}">
-        <p14:creationId xmlns:p14="http://schemas.microsoft.com/office/powerpoint/2010/main" val="2750443609"/>
-      </p:ext>
-    </p:extLst>
-  </p:cSld>
-  <p:clrMapOvr>
-    <a:masterClrMapping/>
-  </p:clrMapOvr>
-  <mc:AlternateContent xmlns:mc="http://schemas.openxmlformats.org/markup-compatibility/2006" xmlns:p14="http://schemas.microsoft.com/office/powerpoint/2010/main">
-    <mc:Choice Requires="p14">
-      <p:transition p14:dur="200">
-        <p:fade/>
-      </p:transition>
-    </mc:Choice>
-    <mc:Fallback xmlns="">
-      <p:transition>
-        <p:fade/>
-      </p:transition>
-    </mc:Fallback>
-  </mc:AlternateContent>
-  <p:timing>
-    <p:tnLst>
-      <p:par>
-        <p:cTn xmlns:p14="http://schemas.microsoft.com/office/powerpoint/2010/main" id="1" dur="indefinite" restart="never" nodeType="tmRoot"/>
-      </p:par>
-    </p:tnLst>
-  </p:timing>
-</p:sld>
-</file>
-
-<file path=ppt/slides/slide9.xml><?xml version="1.0" encoding="utf-8"?>
-<p:sld xmlns:a="http://schemas.openxmlformats.org/drawingml/2006/main" xmlns:r="http://schemas.openxmlformats.org/officeDocument/2006/relationships" xmlns:p="http://schemas.openxmlformats.org/presentationml/2006/main">
-  <p:cSld>
-    <p:bg>
-      <p:bgPr>
-        <a:gradFill rotWithShape="1">
-          <a:gsLst>
-            <a:gs pos="0">
-              <a:schemeClr val="bg2">
-                <a:tint val="90000"/>
-                <a:shade val="92000"/>
-                <a:satMod val="160000"/>
-                <a:alpha val="35000"/>
-              </a:schemeClr>
-            </a:gs>
-            <a:gs pos="77000">
-              <a:schemeClr val="bg2">
-                <a:tint val="100000"/>
-                <a:shade val="73000"/>
-                <a:satMod val="155000"/>
-                <a:alpha val="67000"/>
-              </a:schemeClr>
-            </a:gs>
-            <a:gs pos="100000">
-              <a:schemeClr val="bg2">
-                <a:tint val="100000"/>
-                <a:shade val="67000"/>
-                <a:satMod val="145000"/>
-              </a:schemeClr>
-            </a:gs>
-          </a:gsLst>
-          <a:lin ang="5400000" scaled="0"/>
-        </a:gradFill>
-        <a:effectLst/>
-      </p:bgPr>
-    </p:bg>
-    <p:spTree>
-      <p:nvGrpSpPr>
-        <p:cNvPr id="1" name=""/>
-        <p:cNvGrpSpPr/>
-        <p:nvPr/>
-      </p:nvGrpSpPr>
-      <p:grpSpPr>
-        <a:xfrm>
-          <a:off x="0" y="0"/>
-          <a:ext cx="0" cy="0"/>
-          <a:chOff x="0" y="0"/>
-          <a:chExt cx="0" cy="0"/>
-        </a:xfrm>
-      </p:grpSpPr>
-      <p:sp>
-        <p:nvSpPr>
-          <p:cNvPr id="4" name="TextBox 3">
-            <a:extLst>
-              <a:ext uri="{FF2B5EF4-FFF2-40B4-BE49-F238E27FC236}">
-                <a16:creationId xmlns="" xmlns:a16="http://schemas.microsoft.com/office/drawing/2014/main" id="{BEDDE5A4-D7FC-344D-BC76-6258F3ED8C74}"/>
-              </a:ext>
-            </a:extLst>
-          </p:cNvPr>
-          <p:cNvSpPr txBox="1"/>
-          <p:nvPr/>
-        </p:nvSpPr>
-        <p:spPr>
-          <a:xfrm>
-            <a:off x="1861184" y="2655987"/>
-            <a:ext cx="8357236" cy="1477328"/>
-          </a:xfrm>
-          <a:prstGeom prst="rect">
-            <a:avLst/>
-          </a:prstGeom>
-          <a:noFill/>
-        </p:spPr>
-        <p:txBody>
-          <a:bodyPr wrap="square" rtlCol="0">
-            <a:spAutoFit/>
-          </a:bodyPr>
-          <a:lstStyle/>
-          <a:p>
-            <a:endParaRPr lang="en-US" dirty="0"/>
-          </a:p>
-          <a:p>
-            <a:pPr algn="ctr"/>
-            <a:r>
-              <a:rPr lang="en-US" sz="5400" dirty="0"/>
-              <a:t>Any Questions?</a:t>
-            </a:r>
-            <a:endParaRPr lang="en-HK" sz="5400" dirty="0"/>
-          </a:p>
-          <a:p>
-            <a:endParaRPr lang="en-US" dirty="0"/>
-          </a:p>
-        </p:txBody>
-      </p:sp>
-      <p:sp>
-        <p:nvSpPr>
-          <p:cNvPr id="7" name="TextBox 6">
-            <a:extLst>
-              <a:ext uri="{FF2B5EF4-FFF2-40B4-BE49-F238E27FC236}">
-                <a16:creationId xmlns="" xmlns:a16="http://schemas.microsoft.com/office/drawing/2014/main" id="{569EF861-8AA2-3B47-AFAA-EA55BC2EBAA1}"/>
-              </a:ext>
-            </a:extLst>
-          </p:cNvPr>
-          <p:cNvSpPr txBox="1"/>
-          <p:nvPr/>
-        </p:nvSpPr>
-        <p:spPr>
-          <a:xfrm>
-            <a:off x="3677600" y="6004558"/>
-            <a:ext cx="4797327" cy="400110"/>
-          </a:xfrm>
-          <a:prstGeom prst="rect">
-            <a:avLst/>
-          </a:prstGeom>
-          <a:noFill/>
-        </p:spPr>
-        <p:txBody>
-          <a:bodyPr wrap="square" rtlCol="0">
-            <a:spAutoFit/>
-          </a:bodyPr>
-          <a:lstStyle/>
-          <a:p>
-            <a:r>
-              <a:rPr lang="en-HK" sz="2000" b="1" i="1" dirty="0">
-                <a:solidFill>
-                  <a:schemeClr val="bg1"/>
-                </a:solidFill>
-              </a:rPr>
-              <a:t>You don’t need a tree hole anymore</a:t>
-            </a:r>
-          </a:p>
-        </p:txBody>
-      </p:sp>
-      <p:sp>
-        <p:nvSpPr>
-          <p:cNvPr id="5" name="TextBox 4">
-            <a:extLst>
-              <a:ext uri="{FF2B5EF4-FFF2-40B4-BE49-F238E27FC236}">
-                <a16:creationId xmlns="" xmlns:a16="http://schemas.microsoft.com/office/drawing/2014/main" id="{72BE1CF8-E002-1D47-B6BF-5E54B02EF44A}"/>
-              </a:ext>
-            </a:extLst>
-          </p:cNvPr>
-          <p:cNvSpPr txBox="1"/>
-          <p:nvPr/>
-        </p:nvSpPr>
-        <p:spPr>
-          <a:xfrm>
-            <a:off x="3984284" y="281647"/>
-            <a:ext cx="4074443" cy="584776"/>
-          </a:xfrm>
-          <a:prstGeom prst="rect">
-            <a:avLst/>
-          </a:prstGeom>
-          <a:noFill/>
-        </p:spPr>
-        <p:txBody>
-          <a:bodyPr wrap="square" rtlCol="0">
-            <a:spAutoFit/>
-          </a:bodyPr>
-          <a:lstStyle/>
-          <a:p>
-            <a:r>
-              <a:rPr lang="en-US" sz="3200" b="1" dirty="0" smtClean="0">
-                <a:solidFill>
-                  <a:schemeClr val="accent2">
-                    <a:lumMod val="75000"/>
-                  </a:schemeClr>
-                </a:solidFill>
-              </a:rPr>
-              <a:t>“DISCREETLY OPEN”</a:t>
-            </a:r>
-            <a:endParaRPr lang="en-US" sz="3200" b="1" dirty="0">
-              <a:solidFill>
-                <a:schemeClr val="accent2">
-                  <a:lumMod val="75000"/>
-                </a:schemeClr>
-              </a:solidFill>
-            </a:endParaRPr>
-          </a:p>
-        </p:txBody>
-      </p:sp>
-      <p:pic>
-        <p:nvPicPr>
-          <p:cNvPr id="6" name="Picture 5">
-            <a:extLst>
-              <a:ext uri="{FF2B5EF4-FFF2-40B4-BE49-F238E27FC236}">
-                <a16:creationId xmlns:a16="http://schemas.microsoft.com/office/drawing/2014/main" xmlns="" id="{625FD4FF-2810-9545-9073-2063216A61BE}"/>
-              </a:ext>
-            </a:extLst>
-          </p:cNvPr>
-          <p:cNvPicPr>
-            <a:picLocks noChangeAspect="1"/>
-          </p:cNvPicPr>
-          <p:nvPr/>
-        </p:nvPicPr>
-        <p:blipFill>
-          <a:blip r:embed="rId2"/>
-          <a:stretch>
-            <a:fillRect/>
-          </a:stretch>
-        </p:blipFill>
-        <p:spPr>
-          <a:xfrm>
-            <a:off x="8656703" y="3284340"/>
-            <a:ext cx="2082800" cy="2146300"/>
-          </a:xfrm>
-          <a:prstGeom prst="rect">
-            <a:avLst/>
-          </a:prstGeom>
-        </p:spPr>
-      </p:pic>
-    </p:spTree>
-    <p:extLst>
-      <p:ext uri="{BB962C8B-B14F-4D97-AF65-F5344CB8AC3E}">
-        <p14:creationId xmlns:p14="http://schemas.microsoft.com/office/powerpoint/2010/main" val="1554167277"/>
-      </p:ext>
-    </p:extLst>
-  </p:cSld>
-  <p:clrMapOvr>
-    <a:masterClrMapping/>
-  </p:clrMapOvr>
-  <mc:AlternateContent xmlns:mc="http://schemas.openxmlformats.org/markup-compatibility/2006" xmlns:p14="http://schemas.microsoft.com/office/powerpoint/2010/main">
-    <mc:Choice Requires="p14">
-      <p:transition p14:dur="200">
         <p:fade/>
       </p:transition>
     </mc:Choice>
